--- a/fall11/slidesF11/slides2f.pptx
+++ b/fall11/slidesF11/slides2f.pptx
@@ -4898,16 +4898,7 @@
                 </a:solidFill>
                 <a:latin typeface="Comic Sans MS" pitchFamily="66" charset="0"/>
               </a:rPr>
-              <a:t> </a:t>
-            </a:r>
-            <a:r>
-              <a:rPr lang="en-US" sz="1100" dirty="0" smtClean="0">
-                <a:solidFill>
-                  <a:srgbClr val="000000"/>
-                </a:solidFill>
-                <a:latin typeface="Comic Sans MS" pitchFamily="66" charset="0"/>
-              </a:rPr>
-              <a:t>2F.</a:t>
+              <a:t> 2F.</a:t>
             </a:r>
             <a:fld id="{89C6A585-43E0-42A7-B7F4-EFE79D431EC1}" type="slidenum">
               <a:rPr lang="en-US" sz="1100" smtClean="0">
@@ -4979,37 +4970,7 @@
                 <a:uFillTx/>
                 <a:latin typeface="Comic Sans MS" pitchFamily="66" charset="0"/>
               </a:rPr>
-              <a:t>Albert R Meyer,        </a:t>
-            </a:r>
-            <a:r>
-              <a:rPr kumimoji="0" lang="en-US" sz="1200" b="0" i="0" u="none" strike="noStrike" kern="1200" cap="none" spc="0" normalizeH="0" baseline="0" noProof="0" dirty="0" smtClean="0">
-                <a:ln>
-                  <a:noFill/>
-                </a:ln>
-                <a:solidFill>
-                  <a:schemeClr val="tx1"/>
-                </a:solidFill>
-                <a:effectLst/>
-                <a:uLnTx/>
-                <a:uFillTx/>
-                <a:latin typeface="Comic Sans MS" pitchFamily="66" charset="0"/>
-              </a:rPr>
-              <a:t>September 16, </a:t>
-            </a:r>
-            <a:r>
-              <a:rPr kumimoji="0" lang="en-US" sz="1200" b="0" i="0" u="none" strike="noStrike" kern="1200" cap="none" spc="0" normalizeH="0" baseline="0" noProof="0" dirty="0" smtClean="0">
-                <a:ln>
-                  <a:noFill/>
-                </a:ln>
-                <a:solidFill>
-                  <a:schemeClr val="tx1"/>
-                </a:solidFill>
-                <a:effectLst/>
-                <a:uLnTx/>
-                <a:uFillTx/>
-                <a:latin typeface="Comic Sans MS" pitchFamily="66" charset="0"/>
-              </a:rPr>
-              <a:t>2011</a:t>
+              <a:t>Albert R Meyer,        September 16, 2011</a:t>
             </a:r>
             <a:endParaRPr kumimoji="0" lang="en-US" sz="1200" b="0" i="0" u="none" strike="noStrike" kern="1200" cap="none" spc="0" normalizeH="0" baseline="0" noProof="0" dirty="0">
               <a:ln>
@@ -5999,7 +5960,7 @@
           <a:graphicData uri="http://schemas.openxmlformats.org/presentationml/2006/ole">
             <mc:AlternateContent xmlns:mc="http://schemas.openxmlformats.org/markup-compatibility/2006">
               <mc:Choice xmlns:v="urn:schemas-microsoft-com:vml" Requires="v">
-                <p:oleObj spid="_x0000_s527365" name="Equation" r:id="rId4" imgW="1765080" imgH="457200" progId="Equation.DSMT4">
+                <p:oleObj spid="_x0000_s527367" name="Equation" r:id="rId4" imgW="1765080" imgH="457200" progId="Equation.DSMT4">
                   <p:embed/>
                 </p:oleObj>
               </mc:Choice>
@@ -7784,7 +7745,7 @@
           <a:graphicData uri="http://schemas.openxmlformats.org/presentationml/2006/ole">
             <mc:AlternateContent xmlns:mc="http://schemas.openxmlformats.org/markup-compatibility/2006">
               <mc:Choice xmlns:v="urn:schemas-microsoft-com:vml" Requires="v">
-                <p:oleObj spid="_x0000_s479238" name="Equation" r:id="rId4" imgW="164880" imgH="164880" progId="Equation.DSMT4">
+                <p:oleObj spid="_x0000_s479240" name="Equation" r:id="rId4" imgW="164880" imgH="164880" progId="Equation.DSMT4">
                   <p:embed/>
                 </p:oleObj>
               </mc:Choice>
@@ -10904,7 +10865,7 @@
           <a:graphicData uri="http://schemas.openxmlformats.org/presentationml/2006/ole">
             <mc:AlternateContent xmlns:mc="http://schemas.openxmlformats.org/markup-compatibility/2006">
               <mc:Choice xmlns:v="urn:schemas-microsoft-com:vml" Requires="v">
-                <p:oleObj spid="_x0000_s292879" name="Equation" r:id="rId4" imgW="2298600" imgH="228600" progId="Equation.DSMT4">
+                <p:oleObj spid="_x0000_s292884" name="Equation" r:id="rId4" imgW="2298600" imgH="228600" progId="Equation.DSMT4">
                   <p:embed/>
                 </p:oleObj>
               </mc:Choice>
@@ -11124,7 +11085,7 @@
           <a:graphicData uri="http://schemas.openxmlformats.org/presentationml/2006/ole">
             <mc:AlternateContent xmlns:mc="http://schemas.openxmlformats.org/markup-compatibility/2006">
               <mc:Choice xmlns:v="urn:schemas-microsoft-com:vml" Requires="v">
-                <p:oleObj spid="_x0000_s292880" name="Equation" r:id="rId6" imgW="914400" imgH="198720" progId="Equation.DSMT4">
+                <p:oleObj spid="_x0000_s292885" name="Equation" r:id="rId6" imgW="914400" imgH="198720" progId="Equation.DSMT4">
                   <p:embed/>
                 </p:oleObj>
               </mc:Choice>
@@ -11285,7 +11246,7 @@
           <a:graphicData uri="http://schemas.openxmlformats.org/presentationml/2006/ole">
             <mc:AlternateContent xmlns:mc="http://schemas.openxmlformats.org/markup-compatibility/2006">
               <mc:Choice xmlns:v="urn:schemas-microsoft-com:vml" Requires="v">
-                <p:oleObj spid="_x0000_s292881" name="Equation" r:id="rId8" imgW="406400" imgH="444500" progId="Equation.DSMT4">
+                <p:oleObj spid="_x0000_s292886" name="Equation" r:id="rId8" imgW="406400" imgH="444500" progId="Equation.DSMT4">
                   <p:embed/>
                 </p:oleObj>
               </mc:Choice>
@@ -11342,7 +11303,7 @@
           <a:graphicData uri="http://schemas.openxmlformats.org/presentationml/2006/ole">
             <mc:AlternateContent xmlns:mc="http://schemas.openxmlformats.org/markup-compatibility/2006">
               <mc:Choice xmlns:v="urn:schemas-microsoft-com:vml" Requires="v">
-                <p:oleObj spid="_x0000_s292882" name="Equation" r:id="rId10" imgW="279400" imgH="444500" progId="Equation.DSMT4">
+                <p:oleObj spid="_x0000_s292887" name="Equation" r:id="rId10" imgW="279400" imgH="444500" progId="Equation.DSMT4">
                   <p:embed/>
                 </p:oleObj>
               </mc:Choice>
@@ -11822,7 +11783,7 @@
           <a:graphicData uri="http://schemas.openxmlformats.org/presentationml/2006/ole">
             <mc:AlternateContent xmlns:mc="http://schemas.openxmlformats.org/markup-compatibility/2006">
               <mc:Choice xmlns:v="urn:schemas-microsoft-com:vml" Requires="v">
-                <p:oleObj spid="_x0000_s407566" name="Equation" r:id="rId4" imgW="914400" imgH="198720" progId="Equation.DSMT4">
+                <p:oleObj spid="_x0000_s407569" name="Equation" r:id="rId4" imgW="914400" imgH="198720" progId="Equation.DSMT4">
                   <p:embed/>
                 </p:oleObj>
               </mc:Choice>
@@ -11941,7 +11902,7 @@
           <a:graphicData uri="http://schemas.openxmlformats.org/presentationml/2006/ole">
             <mc:AlternateContent xmlns:mc="http://schemas.openxmlformats.org/markup-compatibility/2006">
               <mc:Choice xmlns:v="urn:schemas-microsoft-com:vml" Requires="v">
-                <p:oleObj spid="_x0000_s407567" name="Equation" r:id="rId6" imgW="2247840" imgH="228600" progId="Equation.DSMT4">
+                <p:oleObj spid="_x0000_s407570" name="Equation" r:id="rId6" imgW="2247840" imgH="228600" progId="Equation.DSMT4">
                   <p:embed/>
                 </p:oleObj>
               </mc:Choice>
@@ -12000,13 +11961,13 @@
   <p:clrMapOvr>
     <a:masterClrMapping/>
   </p:clrMapOvr>
-  <mc:AlternateContent xmlns:mc="http://schemas.openxmlformats.org/markup-compatibility/2006">
-    <mc:Choice xmlns:p14="http://schemas.microsoft.com/office/powerpoint/2010/main" Requires="p14">
+  <mc:AlternateContent xmlns:mc="http://schemas.openxmlformats.org/markup-compatibility/2006" xmlns:p14="http://schemas.microsoft.com/office/powerpoint/2010/main">
+    <mc:Choice Requires="p14">
       <p:transition spd="med" p14:dur="700">
         <p:fade/>
       </p:transition>
     </mc:Choice>
-    <mc:Fallback>
+    <mc:Fallback xmlns="">
       <p:transition xmlns:p14="http://schemas.microsoft.com/office/powerpoint/2010/main" spd="med">
         <p:fade/>
       </p:transition>
@@ -12202,7 +12163,7 @@
           <a:graphicData uri="http://schemas.openxmlformats.org/presentationml/2006/ole">
             <mc:AlternateContent xmlns:mc="http://schemas.openxmlformats.org/markup-compatibility/2006">
               <mc:Choice xmlns:v="urn:schemas-microsoft-com:vml" Requires="v">
-                <p:oleObj spid="_x0000_s294919" name="Equation" r:id="rId4" imgW="2222280" imgH="203040" progId="Equation.DSMT4">
+                <p:oleObj spid="_x0000_s294922" name="Equation" r:id="rId4" imgW="2222280" imgH="203040" progId="Equation.DSMT4">
                   <p:embed/>
                 </p:oleObj>
               </mc:Choice>
@@ -12272,7 +12233,7 @@
           <a:graphicData uri="http://schemas.openxmlformats.org/presentationml/2006/ole">
             <mc:AlternateContent xmlns:mc="http://schemas.openxmlformats.org/markup-compatibility/2006">
               <mc:Choice xmlns:v="urn:schemas-microsoft-com:vml" Requires="v">
-                <p:oleObj spid="_x0000_s294920" name="Equation" r:id="rId6" imgW="914400" imgH="198720" progId="Equation.DSMT4">
+                <p:oleObj spid="_x0000_s294923" name="Equation" r:id="rId6" imgW="914400" imgH="198720" progId="Equation.DSMT4">
                   <p:embed/>
                 </p:oleObj>
               </mc:Choice>
@@ -13095,7 +13056,7 @@
           <a:graphicData uri="http://schemas.openxmlformats.org/presentationml/2006/ole">
             <mc:AlternateContent xmlns:mc="http://schemas.openxmlformats.org/markup-compatibility/2006">
               <mc:Choice xmlns:v="urn:schemas-microsoft-com:vml" Requires="v">
-                <p:oleObj spid="_x0000_s295947" name="Equation" r:id="rId4" imgW="914400" imgH="198720" progId="Equation.DSMT4">
+                <p:oleObj spid="_x0000_s295952" name="Equation" r:id="rId4" imgW="914400" imgH="198720" progId="Equation.DSMT4">
                   <p:embed/>
                 </p:oleObj>
               </mc:Choice>
@@ -13165,7 +13126,7 @@
           <a:graphicData uri="http://schemas.openxmlformats.org/presentationml/2006/ole">
             <mc:AlternateContent xmlns:mc="http://schemas.openxmlformats.org/markup-compatibility/2006">
               <mc:Choice xmlns:v="urn:schemas-microsoft-com:vml" Requires="v">
-                <p:oleObj spid="_x0000_s295948" name="Equation" r:id="rId6" imgW="2222280" imgH="203040" progId="Equation.DSMT4">
+                <p:oleObj spid="_x0000_s295953" name="Equation" r:id="rId6" imgW="2222280" imgH="203040" progId="Equation.DSMT4">
                   <p:embed/>
                 </p:oleObj>
               </mc:Choice>
@@ -13227,10 +13188,10 @@
         </p:nvGrpSpPr>
         <p:grpSpPr>
           <a:xfrm>
-            <a:off x="342900" y="2938463"/>
-            <a:ext cx="6018213" cy="1617662"/>
-            <a:chOff x="342900" y="2947988"/>
-            <a:chExt cx="6018213" cy="1617662"/>
+            <a:off x="342900" y="2916238"/>
+            <a:ext cx="6018213" cy="1639887"/>
+            <a:chOff x="342900" y="2925763"/>
+            <a:chExt cx="6018213" cy="1639887"/>
           </a:xfrm>
         </p:grpSpPr>
         <p:graphicFrame>
@@ -13239,22 +13200,28 @@
             <p:cNvGraphicFramePr>
               <a:graphicFrameLocks noChangeAspect="1"/>
             </p:cNvGraphicFramePr>
-            <p:nvPr/>
+            <p:nvPr>
+              <p:extLst>
+                <p:ext uri="{D42A27DB-BD31-4B8C-83A1-F6EECF244321}">
+                  <p14:modId xmlns:p14="http://schemas.microsoft.com/office/powerpoint/2010/main" val="3132595447"/>
+                </p:ext>
+              </p:extLst>
+            </p:nvPr>
           </p:nvGraphicFramePr>
           <p:xfrm>
-            <a:off x="342900" y="2947988"/>
-            <a:ext cx="2957513" cy="1385887"/>
+            <a:off x="342900" y="2925763"/>
+            <a:ext cx="2957513" cy="1431925"/>
           </p:xfrm>
           <a:graphic>
             <a:graphicData uri="http://schemas.openxmlformats.org/presentationml/2006/ole">
               <mc:AlternateContent xmlns:mc="http://schemas.openxmlformats.org/markup-compatibility/2006">
                 <mc:Choice xmlns:v="urn:schemas-microsoft-com:vml" Requires="v">
-                  <p:oleObj spid="_x0000_s295949" name="Equation" r:id="rId8" imgW="812520" imgH="380880" progId="Equation.DSMT4">
+                  <p:oleObj spid="_x0000_s295954" name="Equation" r:id="rId8" imgW="812800" imgH="393700" progId="Equation.DSMT4">
                     <p:embed/>
                   </p:oleObj>
                 </mc:Choice>
                 <mc:Fallback>
-                  <p:oleObj name="Equation" r:id="rId8" imgW="812520" imgH="380880" progId="Equation.DSMT4">
+                  <p:oleObj name="Equation" r:id="rId8" imgW="812800" imgH="393700" progId="Equation.DSMT4">
                     <p:embed/>
                     <p:pic>
                       <p:nvPicPr>
@@ -13265,13 +13232,7 @@
                         <p:nvPr/>
                       </p:nvPicPr>
                       <p:blipFill>
-                        <a:blip r:embed="rId9">
-                          <a:extLst>
-                            <a:ext uri="{28A0092B-C50C-407E-A947-70E740481C1C}">
-                              <a14:useLocalDpi xmlns:a14="http://schemas.microsoft.com/office/drawing/2010/main" val="0"/>
-                            </a:ext>
-                          </a:extLst>
-                        </a:blip>
+                        <a:blip r:embed="rId9"/>
                         <a:srcRect/>
                         <a:stretch>
                           <a:fillRect/>
@@ -13279,8 +13240,8 @@
                       </p:blipFill>
                       <p:spPr bwMode="auto">
                         <a:xfrm>
-                          <a:off x="342900" y="2947988"/>
-                          <a:ext cx="2957513" cy="1385887"/>
+                          <a:off x="342900" y="2925763"/>
+                          <a:ext cx="2957513" cy="1431925"/>
                         </a:xfrm>
                         <a:prstGeom prst="rect">
                           <a:avLst/>
@@ -13309,22 +13270,28 @@
             <p:cNvGraphicFramePr>
               <a:graphicFrameLocks noChangeAspect="1"/>
             </p:cNvGraphicFramePr>
-            <p:nvPr/>
+            <p:nvPr>
+              <p:extLst>
+                <p:ext uri="{D42A27DB-BD31-4B8C-83A1-F6EECF244321}">
+                  <p14:modId xmlns:p14="http://schemas.microsoft.com/office/powerpoint/2010/main" val="217179578"/>
+                </p:ext>
+              </p:extLst>
+            </p:nvPr>
           </p:nvGraphicFramePr>
           <p:xfrm>
-            <a:off x="3403600" y="2947988"/>
-            <a:ext cx="2957513" cy="1385887"/>
+            <a:off x="3403600" y="2925763"/>
+            <a:ext cx="2957513" cy="1431925"/>
           </p:xfrm>
           <a:graphic>
             <a:graphicData uri="http://schemas.openxmlformats.org/presentationml/2006/ole">
               <mc:AlternateContent xmlns:mc="http://schemas.openxmlformats.org/markup-compatibility/2006">
                 <mc:Choice xmlns:v="urn:schemas-microsoft-com:vml" Requires="v">
-                  <p:oleObj spid="_x0000_s295950" name="Equation" r:id="rId10" imgW="812520" imgH="380880" progId="Equation.DSMT4">
+                  <p:oleObj spid="_x0000_s295955" name="Equation" r:id="rId10" imgW="812800" imgH="393700" progId="Equation.DSMT4">
                     <p:embed/>
                   </p:oleObj>
                 </mc:Choice>
                 <mc:Fallback>
-                  <p:oleObj name="Equation" r:id="rId10" imgW="812520" imgH="380880" progId="Equation.DSMT4">
+                  <p:oleObj name="Equation" r:id="rId10" imgW="812800" imgH="393700" progId="Equation.DSMT4">
                     <p:embed/>
                     <p:pic>
                       <p:nvPicPr>
@@ -13335,13 +13302,7 @@
                         <p:nvPr/>
                       </p:nvPicPr>
                       <p:blipFill>
-                        <a:blip r:embed="rId9">
-                          <a:extLst>
-                            <a:ext uri="{28A0092B-C50C-407E-A947-70E740481C1C}">
-                              <a14:useLocalDpi xmlns:a14="http://schemas.microsoft.com/office/drawing/2010/main" val="0"/>
-                            </a:ext>
-                          </a:extLst>
-                        </a:blip>
+                        <a:blip r:embed="rId11"/>
                         <a:srcRect/>
                         <a:stretch>
                           <a:fillRect/>
@@ -13349,8 +13310,8 @@
                       </p:blipFill>
                       <p:spPr bwMode="auto">
                         <a:xfrm>
-                          <a:off x="3403600" y="2947988"/>
-                          <a:ext cx="2957513" cy="1385887"/>
+                          <a:off x="3403600" y="2925763"/>
+                          <a:ext cx="2957513" cy="1431925"/>
                         </a:xfrm>
                         <a:prstGeom prst="rect">
                           <a:avLst/>
@@ -13722,7 +13683,7 @@
           <a:graphicData uri="http://schemas.openxmlformats.org/presentationml/2006/ole">
             <mc:AlternateContent xmlns:mc="http://schemas.openxmlformats.org/markup-compatibility/2006">
               <mc:Choice xmlns:v="urn:schemas-microsoft-com:vml" Requires="v">
-                <p:oleObj spid="_x0000_s296966" name="Equation" r:id="rId4" imgW="2234880" imgH="203040" progId="Equation.DSMT4">
+                <p:oleObj spid="_x0000_s296968" name="Equation" r:id="rId4" imgW="2234880" imgH="203040" progId="Equation.DSMT4">
                   <p:embed/>
                 </p:oleObj>
               </mc:Choice>
@@ -14141,7 +14102,7 @@
           <a:graphicData uri="http://schemas.openxmlformats.org/presentationml/2006/ole">
             <mc:AlternateContent xmlns:mc="http://schemas.openxmlformats.org/markup-compatibility/2006">
               <mc:Choice xmlns:v="urn:schemas-microsoft-com:vml" Requires="v">
-                <p:oleObj spid="_x0000_s409605" name="Equation" r:id="rId4" imgW="2234880" imgH="203040" progId="Equation.DSMT4">
+                <p:oleObj spid="_x0000_s409607" name="Equation" r:id="rId4" imgW="2234880" imgH="203040" progId="Equation.DSMT4">
                   <p:embed/>
                 </p:oleObj>
               </mc:Choice>
@@ -14586,7 +14547,7 @@
           <a:graphicData uri="http://schemas.openxmlformats.org/presentationml/2006/ole">
             <mc:AlternateContent xmlns:mc="http://schemas.openxmlformats.org/markup-compatibility/2006">
               <mc:Choice xmlns:v="urn:schemas-microsoft-com:vml" Requires="v">
-                <p:oleObj spid="_x0000_s297993" name="Equation" r:id="rId4" imgW="914400" imgH="198720" progId="Equation.DSMT4">
+                <p:oleObj spid="_x0000_s297996" name="Equation" r:id="rId4" imgW="914400" imgH="198720" progId="Equation.DSMT4">
                   <p:embed/>
                 </p:oleObj>
               </mc:Choice>
@@ -14656,7 +14617,7 @@
           <a:graphicData uri="http://schemas.openxmlformats.org/presentationml/2006/ole">
             <mc:AlternateContent xmlns:mc="http://schemas.openxmlformats.org/markup-compatibility/2006">
               <mc:Choice xmlns:v="urn:schemas-microsoft-com:vml" Requires="v">
-                <p:oleObj spid="_x0000_s297994" name="Equation" r:id="rId6" imgW="2019300" imgH="215900" progId="Equation.DSMT4">
+                <p:oleObj spid="_x0000_s297997" name="Equation" r:id="rId6" imgW="2019300" imgH="215900" progId="Equation.DSMT4">
                   <p:embed/>
                 </p:oleObj>
               </mc:Choice>
@@ -14793,7 +14754,7 @@
           <a:graphicData uri="http://schemas.openxmlformats.org/presentationml/2006/ole">
             <mc:AlternateContent xmlns:mc="http://schemas.openxmlformats.org/markup-compatibility/2006">
               <mc:Choice xmlns:v="urn:schemas-microsoft-com:vml" Requires="v">
-                <p:oleObj spid="_x0000_s299017" name="Equation" r:id="rId4" imgW="914400" imgH="198720" progId="Equation.DSMT4">
+                <p:oleObj spid="_x0000_s299021" name="Equation" r:id="rId4" imgW="914400" imgH="198720" progId="Equation.DSMT4">
                   <p:embed/>
                 </p:oleObj>
               </mc:Choice>
@@ -14863,7 +14824,7 @@
           <a:graphicData uri="http://schemas.openxmlformats.org/presentationml/2006/ole">
             <mc:AlternateContent xmlns:mc="http://schemas.openxmlformats.org/markup-compatibility/2006">
               <mc:Choice xmlns:v="urn:schemas-microsoft-com:vml" Requires="v">
-                <p:oleObj spid="_x0000_s299018" name="Equation" r:id="rId6" imgW="914400" imgH="198720" progId="Equation.DSMT4">
+                <p:oleObj spid="_x0000_s299022" name="Equation" r:id="rId6" imgW="914400" imgH="198720" progId="Equation.DSMT4">
                   <p:embed/>
                 </p:oleObj>
               </mc:Choice>
@@ -14992,7 +14953,7 @@
           <a:graphicData uri="http://schemas.openxmlformats.org/presentationml/2006/ole">
             <mc:AlternateContent xmlns:mc="http://schemas.openxmlformats.org/markup-compatibility/2006">
               <mc:Choice xmlns:v="urn:schemas-microsoft-com:vml" Requires="v">
-                <p:oleObj spid="_x0000_s299019" name="Equation" r:id="rId8" imgW="2032000" imgH="457200" progId="Equation.DSMT4">
+                <p:oleObj spid="_x0000_s299023" name="Equation" r:id="rId8" imgW="2032000" imgH="457200" progId="Equation.DSMT4">
                   <p:embed/>
                 </p:oleObj>
               </mc:Choice>
@@ -15173,7 +15134,7 @@
           <a:graphicData uri="http://schemas.openxmlformats.org/presentationml/2006/ole">
             <mc:AlternateContent xmlns:mc="http://schemas.openxmlformats.org/markup-compatibility/2006">
               <mc:Choice xmlns:v="urn:schemas-microsoft-com:vml" Requires="v">
-                <p:oleObj spid="_x0000_s466954" name="Equation" r:id="rId4" imgW="914400" imgH="198720" progId="Equation.DSMT4">
+                <p:oleObj spid="_x0000_s466957" name="Equation" r:id="rId4" imgW="914400" imgH="198720" progId="Equation.DSMT4">
                   <p:embed/>
                 </p:oleObj>
               </mc:Choice>
@@ -15492,7 +15453,7 @@
           <a:graphicData uri="http://schemas.openxmlformats.org/presentationml/2006/ole">
             <mc:AlternateContent xmlns:mc="http://schemas.openxmlformats.org/markup-compatibility/2006">
               <mc:Choice xmlns:v="urn:schemas-microsoft-com:vml" Requires="v">
-                <p:oleObj spid="_x0000_s466955" name="Equation" r:id="rId6" imgW="2032000" imgH="457200" progId="Equation.DSMT4">
+                <p:oleObj spid="_x0000_s466958" name="Equation" r:id="rId6" imgW="2032000" imgH="457200" progId="Equation.DSMT4">
                   <p:embed/>
                 </p:oleObj>
               </mc:Choice>
@@ -16687,7 +16648,7 @@
           <a:graphicData uri="http://schemas.openxmlformats.org/presentationml/2006/ole">
             <mc:AlternateContent xmlns:mc="http://schemas.openxmlformats.org/markup-compatibility/2006">
               <mc:Choice xmlns:v="urn:schemas-microsoft-com:vml" Requires="v">
-                <p:oleObj spid="_x0000_s468997" name="Equation" r:id="rId4" imgW="914400" imgH="198720" progId="Equation.DSMT4">
+                <p:oleObj spid="_x0000_s468999" name="Equation" r:id="rId4" imgW="914400" imgH="198720" progId="Equation.DSMT4">
                   <p:embed/>
                 </p:oleObj>
               </mc:Choice>
@@ -18076,7 +18037,7 @@
           <a:graphicData uri="http://schemas.openxmlformats.org/presentationml/2006/ole">
             <mc:AlternateContent xmlns:mc="http://schemas.openxmlformats.org/markup-compatibility/2006">
               <mc:Choice xmlns:v="urn:schemas-microsoft-com:vml" Requires="v">
-                <p:oleObj spid="_x0000_s480263" name="Equation" r:id="rId4" imgW="914400" imgH="198720" progId="Equation.DSMT4">
+                <p:oleObj spid="_x0000_s480266" name="Equation" r:id="rId4" imgW="914400" imgH="198720" progId="Equation.DSMT4">
                   <p:embed/>
                 </p:oleObj>
               </mc:Choice>
@@ -18276,7 +18237,7 @@
           <a:graphicData uri="http://schemas.openxmlformats.org/presentationml/2006/ole">
             <mc:AlternateContent xmlns:mc="http://schemas.openxmlformats.org/markup-compatibility/2006">
               <mc:Choice xmlns:v="urn:schemas-microsoft-com:vml" Requires="v">
-                <p:oleObj spid="_x0000_s480264" name="Equation" r:id="rId6" imgW="1968500" imgH="457200" progId="Equation.DSMT4">
+                <p:oleObj spid="_x0000_s480267" name="Equation" r:id="rId6" imgW="1968500" imgH="457200" progId="Equation.DSMT4">
                   <p:embed/>
                 </p:oleObj>
               </mc:Choice>
@@ -19031,7 +18992,7 @@
           <a:graphicData uri="http://schemas.openxmlformats.org/presentationml/2006/ole">
             <mc:AlternateContent xmlns:mc="http://schemas.openxmlformats.org/markup-compatibility/2006">
               <mc:Choice xmlns:v="urn:schemas-microsoft-com:vml" Requires="v">
-                <p:oleObj spid="_x0000_s563209" name="Equation" r:id="rId4" imgW="596900" imgH="520700" progId="Equation.DSMT4">
+                <p:oleObj spid="_x0000_s563211" name="Equation" r:id="rId4" imgW="596900" imgH="520700" progId="Equation.DSMT4">
                   <p:embed/>
                 </p:oleObj>
               </mc:Choice>
@@ -23191,26 +23152,56 @@
                 </a:solidFill>
                 <a:latin typeface="Comic Sans MS" pitchFamily="66" charset="0"/>
               </a:rPr>
-              <a:t>P</a:t>
+              <a:t>P(</a:t>
             </a:r>
             <a:r>
               <a:rPr lang="en-US" sz="4400" dirty="0" smtClean="0">
                 <a:solidFill>
+                  <a:srgbClr val="0000FF"/>
+                </a:solidFill>
+                <a:latin typeface="Comic Sans MS" pitchFamily="66" charset="0"/>
+                <a:sym typeface="Euclid Symbol"/>
+              </a:rPr>
+              <a:t>Drew)</a:t>
+            </a:r>
+            <a:r>
+              <a:rPr lang="en-US" sz="4400" dirty="0" smtClean="0">
+                <a:solidFill>
                   <a:srgbClr val="000000"/>
                 </a:solidFill>
                 <a:latin typeface="Comic Sans MS" pitchFamily="66" charset="0"/>
               </a:rPr>
-              <a:t>(</a:t>
+              <a:t> </a:t>
+            </a:r>
+            <a:r>
+              <a:rPr lang="en-US" sz="3600" dirty="0" smtClean="0">
+                <a:solidFill>
+                  <a:srgbClr val="008000"/>
+                </a:solidFill>
+                <a:latin typeface="Comic Sans MS" pitchFamily="66" charset="0"/>
+                <a:sym typeface="Euclid Symbol"/>
+              </a:rPr>
+              <a:t>AND </a:t>
             </a:r>
             <a:r>
               <a:rPr lang="en-US" sz="4400" dirty="0" smtClean="0">
                 <a:solidFill>
+                  <a:srgbClr val="000000"/>
+                </a:solidFill>
+                <a:latin typeface="Comic Sans MS" pitchFamily="66" charset="0"/>
+                <a:sym typeface="Euclid Symbol"/>
+              </a:rPr>
+              <a:t>P(</a:t>
+            </a:r>
+            <a:r>
+              <a:rPr lang="en-US" sz="4400" dirty="0" smtClean="0">
+                <a:solidFill>
                   <a:srgbClr val="0000FF"/>
                 </a:solidFill>
                 <a:latin typeface="Comic Sans MS" pitchFamily="66" charset="0"/>
                 <a:sym typeface="Euclid Symbol"/>
               </a:rPr>
-              <a:t>Drew)</a:t>
+              <a:t>Gabe</a:t>
             </a:r>
             <a:r>
               <a:rPr lang="en-US" sz="4400" dirty="0" smtClean="0">
@@ -23218,8 +23209,9 @@
                   <a:srgbClr val="000000"/>
                 </a:solidFill>
                 <a:latin typeface="Comic Sans MS" pitchFamily="66" charset="0"/>
-              </a:rPr>
-              <a:t> </a:t>
+                <a:sym typeface="Euclid Symbol"/>
+              </a:rPr>
+              <a:t>) </a:t>
             </a:r>
             <a:r>
               <a:rPr lang="en-US" sz="3600" dirty="0" smtClean="0">
@@ -23229,153 +23221,86 @@
                 <a:latin typeface="Comic Sans MS" pitchFamily="66" charset="0"/>
                 <a:sym typeface="Euclid Symbol"/>
               </a:rPr>
+              <a:t>AND</a:t>
+            </a:r>
+          </a:p>
+          <a:p>
+            <a:r>
+              <a:rPr lang="en-US" sz="4400" dirty="0" smtClean="0">
+                <a:solidFill>
+                  <a:srgbClr val="000000"/>
+                </a:solidFill>
+                <a:latin typeface="Comic Sans MS" pitchFamily="66" charset="0"/>
+                <a:sym typeface="Euclid Symbol"/>
+              </a:rPr>
+              <a:t>P(</a:t>
+            </a:r>
+            <a:r>
+              <a:rPr lang="en-US" sz="4400" dirty="0" err="1">
+                <a:solidFill>
+                  <a:srgbClr val="0000FF"/>
+                </a:solidFill>
+                <a:latin typeface="Comic Sans MS" pitchFamily="66" charset="0"/>
+                <a:sym typeface="Euclid Symbol"/>
+              </a:rPr>
+              <a:t>S</a:t>
+            </a:r>
+            <a:r>
+              <a:rPr lang="en-US" sz="4400" dirty="0" err="1" smtClean="0">
+                <a:solidFill>
+                  <a:srgbClr val="0000FF"/>
+                </a:solidFill>
+                <a:latin typeface="Comic Sans MS" pitchFamily="66" charset="0"/>
+                <a:sym typeface="Euclid Symbol"/>
+              </a:rPr>
+              <a:t>hini</a:t>
+            </a:r>
+            <a:r>
+              <a:rPr lang="en-US" sz="4400" dirty="0" smtClean="0">
+                <a:solidFill>
+                  <a:srgbClr val="000000"/>
+                </a:solidFill>
+                <a:latin typeface="Comic Sans MS" pitchFamily="66" charset="0"/>
+                <a:sym typeface="Euclid Symbol"/>
+              </a:rPr>
+              <a:t>) </a:t>
+            </a:r>
+            <a:r>
+              <a:rPr lang="en-US" sz="3600" dirty="0" smtClean="0">
+                <a:solidFill>
+                  <a:srgbClr val="008000"/>
+                </a:solidFill>
+                <a:latin typeface="Comic Sans MS" pitchFamily="66" charset="0"/>
+                <a:sym typeface="Euclid Symbol"/>
+              </a:rPr>
+              <a:t>AND</a:t>
+            </a:r>
+            <a:r>
+              <a:rPr lang="en-US" sz="4400" dirty="0" smtClean="0">
+                <a:solidFill>
+                  <a:srgbClr val="000000"/>
+                </a:solidFill>
+                <a:latin typeface="Comic Sans MS" pitchFamily="66" charset="0"/>
+                <a:sym typeface="Euclid Symbol"/>
+              </a:rPr>
+              <a:t>…</a:t>
+            </a:r>
+            <a:r>
+              <a:rPr lang="en-US" sz="3600" dirty="0" smtClean="0">
+                <a:solidFill>
+                  <a:srgbClr val="008000"/>
+                </a:solidFill>
+                <a:latin typeface="Comic Sans MS" pitchFamily="66" charset="0"/>
+                <a:sym typeface="Euclid Symbol"/>
+              </a:rPr>
               <a:t>AND </a:t>
             </a:r>
             <a:r>
               <a:rPr lang="en-US" sz="4400" dirty="0" smtClean="0">
-                <a:solidFill>
-                  <a:srgbClr val="000000"/>
-                </a:solidFill>
                 <a:latin typeface="Comic Sans MS" pitchFamily="66" charset="0"/>
                 <a:sym typeface="Euclid Symbol"/>
               </a:rPr>
-              <a:t>P</a:t>
-            </a:r>
-            <a:r>
-              <a:rPr lang="en-US" sz="4400" dirty="0" smtClean="0">
-                <a:solidFill>
-                  <a:srgbClr val="000000"/>
-                </a:solidFill>
-                <a:latin typeface="Comic Sans MS" pitchFamily="66" charset="0"/>
-                <a:sym typeface="Euclid Symbol"/>
-              </a:rPr>
-              <a:t>(</a:t>
-            </a:r>
-            <a:r>
-              <a:rPr lang="en-US" sz="4400" dirty="0" smtClean="0">
-                <a:solidFill>
-                  <a:srgbClr val="0000FF"/>
-                </a:solidFill>
-                <a:latin typeface="Comic Sans MS" pitchFamily="66" charset="0"/>
-                <a:sym typeface="Euclid Symbol"/>
-              </a:rPr>
-              <a:t>Gabe</a:t>
-            </a:r>
-            <a:r>
-              <a:rPr lang="en-US" sz="4400" dirty="0" smtClean="0">
-                <a:solidFill>
-                  <a:srgbClr val="000000"/>
-                </a:solidFill>
-                <a:latin typeface="Comic Sans MS" pitchFamily="66" charset="0"/>
-                <a:sym typeface="Euclid Symbol"/>
-              </a:rPr>
-              <a:t>) </a:t>
-            </a:r>
-            <a:r>
-              <a:rPr lang="en-US" sz="3600" dirty="0" smtClean="0">
-                <a:solidFill>
-                  <a:srgbClr val="008000"/>
-                </a:solidFill>
-                <a:latin typeface="Comic Sans MS" pitchFamily="66" charset="0"/>
-                <a:sym typeface="Euclid Symbol"/>
-              </a:rPr>
-              <a:t>AND</a:t>
-            </a:r>
-          </a:p>
-          <a:p>
-            <a:r>
-              <a:rPr lang="en-US" sz="4400" dirty="0" smtClean="0">
-                <a:solidFill>
-                  <a:srgbClr val="000000"/>
-                </a:solidFill>
-                <a:latin typeface="Comic Sans MS" pitchFamily="66" charset="0"/>
-                <a:sym typeface="Euclid Symbol"/>
-              </a:rPr>
-              <a:t>P</a:t>
-            </a:r>
-            <a:r>
-              <a:rPr lang="en-US" sz="4400" dirty="0" smtClean="0">
-                <a:solidFill>
-                  <a:srgbClr val="000000"/>
-                </a:solidFill>
-                <a:latin typeface="Comic Sans MS" pitchFamily="66" charset="0"/>
-                <a:sym typeface="Euclid Symbol"/>
-              </a:rPr>
-              <a:t>(</a:t>
-            </a:r>
-            <a:r>
-              <a:rPr lang="en-US" sz="4400" dirty="0" err="1">
-                <a:solidFill>
-                  <a:srgbClr val="0000FF"/>
-                </a:solidFill>
-                <a:latin typeface="Comic Sans MS" pitchFamily="66" charset="0"/>
-                <a:sym typeface="Euclid Symbol"/>
-              </a:rPr>
-              <a:t>S</a:t>
-            </a:r>
-            <a:r>
-              <a:rPr lang="en-US" sz="4400" dirty="0" err="1" smtClean="0">
-                <a:solidFill>
-                  <a:srgbClr val="0000FF"/>
-                </a:solidFill>
-                <a:latin typeface="Comic Sans MS" pitchFamily="66" charset="0"/>
-                <a:sym typeface="Euclid Symbol"/>
-              </a:rPr>
-              <a:t>hini</a:t>
-            </a:r>
-            <a:r>
-              <a:rPr lang="en-US" sz="4400" dirty="0" smtClean="0">
-                <a:solidFill>
-                  <a:srgbClr val="000000"/>
-                </a:solidFill>
-                <a:latin typeface="Comic Sans MS" pitchFamily="66" charset="0"/>
-                <a:sym typeface="Euclid Symbol"/>
-              </a:rPr>
-              <a:t>) </a:t>
-            </a:r>
-            <a:r>
-              <a:rPr lang="en-US" sz="3600" dirty="0" smtClean="0">
-                <a:solidFill>
-                  <a:srgbClr val="008000"/>
-                </a:solidFill>
-                <a:latin typeface="Comic Sans MS" pitchFamily="66" charset="0"/>
-                <a:sym typeface="Euclid Symbol"/>
-              </a:rPr>
-              <a:t>AND</a:t>
-            </a:r>
-            <a:r>
-              <a:rPr lang="en-US" sz="4400" dirty="0" smtClean="0">
-                <a:solidFill>
-                  <a:srgbClr val="000000"/>
-                </a:solidFill>
-                <a:latin typeface="Comic Sans MS" pitchFamily="66" charset="0"/>
-                <a:sym typeface="Euclid Symbol"/>
-              </a:rPr>
-              <a:t>…</a:t>
-            </a:r>
-            <a:r>
-              <a:rPr lang="en-US" sz="3600" dirty="0" smtClean="0">
-                <a:solidFill>
-                  <a:srgbClr val="008000"/>
-                </a:solidFill>
-                <a:latin typeface="Comic Sans MS" pitchFamily="66" charset="0"/>
-                <a:sym typeface="Euclid Symbol"/>
-              </a:rPr>
-              <a:t>AND </a:t>
-            </a:r>
-            <a:r>
-              <a:rPr lang="en-US" sz="4400" dirty="0" smtClean="0">
-                <a:latin typeface="Comic Sans MS" pitchFamily="66" charset="0"/>
-                <a:sym typeface="Euclid Symbol"/>
-              </a:rPr>
-              <a:t>P</a:t>
-            </a:r>
-            <a:r>
-              <a:rPr lang="en-US" sz="4400" dirty="0" smtClean="0">
-                <a:latin typeface="Comic Sans MS" pitchFamily="66" charset="0"/>
-                <a:sym typeface="Euclid Symbol"/>
-              </a:rPr>
-              <a:t>(</a:t>
+              <a:t>P(</a:t>
             </a:r>
             <a:r>
               <a:rPr lang="en-US" sz="4400" dirty="0" smtClean="0">
@@ -23998,33 +23923,105 @@
                 </a:solidFill>
                 <a:latin typeface="Comic Sans MS" pitchFamily="66" charset="0"/>
               </a:rPr>
-              <a:t>B</a:t>
+              <a:t>B(</a:t>
             </a:r>
             <a:r>
               <a:rPr lang="en-US" sz="4800" dirty="0" smtClean="0">
                 <a:solidFill>
+                  <a:srgbClr val="CC0099"/>
+                </a:solidFill>
+                <a:latin typeface="Comic Sans MS" pitchFamily="66" charset="0"/>
+                <a:sym typeface="Euclid Symbol"/>
+              </a:rPr>
+              <a:t>Drew</a:t>
+            </a:r>
+            <a:r>
+              <a:rPr lang="en-US" sz="4800" dirty="0" smtClean="0">
+                <a:solidFill>
                   <a:srgbClr val="000000"/>
                 </a:solidFill>
                 <a:latin typeface="Comic Sans MS" pitchFamily="66" charset="0"/>
               </a:rPr>
-              <a:t>(</a:t>
+              <a:t>) </a:t>
+            </a:r>
+            <a:r>
+              <a:rPr lang="en-US" sz="4000" dirty="0" smtClean="0">
+                <a:solidFill>
+                  <a:srgbClr val="0000FF"/>
+                </a:solidFill>
+                <a:latin typeface="Comic Sans MS" pitchFamily="66" charset="0"/>
+                <a:sym typeface="Euclid Symbol"/>
+              </a:rPr>
+              <a:t>OR </a:t>
             </a:r>
             <a:r>
               <a:rPr lang="en-US" sz="4800" dirty="0" smtClean="0">
                 <a:solidFill>
+                  <a:srgbClr val="000000"/>
+                </a:solidFill>
+                <a:latin typeface="Comic Sans MS" pitchFamily="66" charset="0"/>
+                <a:sym typeface="Euclid Symbol"/>
+              </a:rPr>
+              <a:t>B(</a:t>
+            </a:r>
+            <a:r>
+              <a:rPr lang="en-US" sz="4800" dirty="0" smtClean="0">
+                <a:solidFill>
                   <a:srgbClr val="CC0099"/>
                 </a:solidFill>
                 <a:latin typeface="Comic Sans MS" pitchFamily="66" charset="0"/>
+              </a:rPr>
+              <a:t>Gabe</a:t>
+            </a:r>
+            <a:r>
+              <a:rPr lang="en-US" sz="4800" dirty="0" smtClean="0">
+                <a:solidFill>
+                  <a:srgbClr val="000000"/>
+                </a:solidFill>
+                <a:latin typeface="Comic Sans MS" pitchFamily="66" charset="0"/>
                 <a:sym typeface="Euclid Symbol"/>
               </a:rPr>
-              <a:t>Drew</a:t>
-            </a:r>
+              <a:t>) </a:t>
+            </a:r>
+            <a:r>
+              <a:rPr lang="en-US" sz="4000" dirty="0" smtClean="0">
+                <a:solidFill>
+                  <a:srgbClr val="0000FF"/>
+                </a:solidFill>
+                <a:latin typeface="Comic Sans MS" pitchFamily="66" charset="0"/>
+                <a:sym typeface="Euclid Symbol"/>
+              </a:rPr>
+              <a:t>OR</a:t>
+            </a:r>
+          </a:p>
+          <a:p>
             <a:r>
               <a:rPr lang="en-US" sz="4800" dirty="0" smtClean="0">
                 <a:solidFill>
                   <a:srgbClr val="000000"/>
                 </a:solidFill>
                 <a:latin typeface="Comic Sans MS" pitchFamily="66" charset="0"/>
+                <a:sym typeface="Euclid Symbol"/>
+              </a:rPr>
+              <a:t>B(</a:t>
+            </a:r>
+            <a:r>
+              <a:rPr lang="en-US" sz="4800" dirty="0" err="1" smtClean="0">
+                <a:solidFill>
+                  <a:srgbClr val="CC0099"/>
+                </a:solidFill>
+                <a:latin typeface="Comic Sans MS" pitchFamily="66" charset="0"/>
+                <a:sym typeface="Euclid Symbol"/>
+              </a:rPr>
+              <a:t>Shini</a:t>
+            </a:r>
+            <a:r>
+              <a:rPr lang="en-US" sz="4800" dirty="0" smtClean="0">
+                <a:solidFill>
+                  <a:srgbClr val="000000"/>
+                </a:solidFill>
+                <a:latin typeface="Comic Sans MS" pitchFamily="66" charset="0"/>
+                <a:sym typeface="Euclid Symbol"/>
               </a:rPr>
               <a:t>) </a:t>
             </a:r>
@@ -24036,7 +24033,7 @@
                 <a:latin typeface="Comic Sans MS" pitchFamily="66" charset="0"/>
                 <a:sym typeface="Euclid Symbol"/>
               </a:rPr>
-              <a:t>OR </a:t>
+              <a:t>OR…OR </a:t>
             </a:r>
             <a:r>
               <a:rPr lang="en-US" sz="4800" dirty="0" smtClean="0">
@@ -24047,117 +24044,6 @@
                 <a:sym typeface="Euclid Symbol"/>
               </a:rPr>
               <a:t>B(</a:t>
-            </a:r>
-            <a:r>
-              <a:rPr lang="en-US" sz="4800" dirty="0" smtClean="0">
-                <a:solidFill>
-                  <a:srgbClr val="CC0099"/>
-                </a:solidFill>
-                <a:latin typeface="Comic Sans MS" pitchFamily="66" charset="0"/>
-              </a:rPr>
-              <a:t>Gabe</a:t>
-            </a:r>
-            <a:r>
-              <a:rPr lang="en-US" sz="4800" dirty="0" smtClean="0">
-                <a:solidFill>
-                  <a:srgbClr val="000000"/>
-                </a:solidFill>
-                <a:latin typeface="Comic Sans MS" pitchFamily="66" charset="0"/>
-                <a:sym typeface="Euclid Symbol"/>
-              </a:rPr>
-              <a:t>) </a:t>
-            </a:r>
-            <a:r>
-              <a:rPr lang="en-US" sz="4000" dirty="0" smtClean="0">
-                <a:solidFill>
-                  <a:srgbClr val="0000FF"/>
-                </a:solidFill>
-                <a:latin typeface="Comic Sans MS" pitchFamily="66" charset="0"/>
-                <a:sym typeface="Euclid Symbol"/>
-              </a:rPr>
-              <a:t>OR</a:t>
-            </a:r>
-          </a:p>
-          <a:p>
-            <a:r>
-              <a:rPr lang="en-US" sz="4800" dirty="0" smtClean="0">
-                <a:solidFill>
-                  <a:srgbClr val="000000"/>
-                </a:solidFill>
-                <a:latin typeface="Comic Sans MS" pitchFamily="66" charset="0"/>
-                <a:sym typeface="Euclid Symbol"/>
-              </a:rPr>
-              <a:t>B</a:t>
-            </a:r>
-            <a:r>
-              <a:rPr lang="en-US" sz="4800" dirty="0" smtClean="0">
-                <a:solidFill>
-                  <a:srgbClr val="000000"/>
-                </a:solidFill>
-                <a:latin typeface="Comic Sans MS" pitchFamily="66" charset="0"/>
-                <a:sym typeface="Euclid Symbol"/>
-              </a:rPr>
-              <a:t>(</a:t>
-            </a:r>
-            <a:r>
-              <a:rPr lang="en-US" sz="4800" dirty="0" err="1" smtClean="0">
-                <a:solidFill>
-                  <a:srgbClr val="CC0099"/>
-                </a:solidFill>
-                <a:latin typeface="Comic Sans MS" pitchFamily="66" charset="0"/>
-                <a:sym typeface="Euclid Symbol"/>
-              </a:rPr>
-              <a:t>Shin</a:t>
-            </a:r>
-            <a:r>
-              <a:rPr lang="en-US" sz="4800" dirty="0" err="1" smtClean="0">
-                <a:solidFill>
-                  <a:srgbClr val="CC0099"/>
-                </a:solidFill>
-                <a:latin typeface="Comic Sans MS" pitchFamily="66" charset="0"/>
-                <a:sym typeface="Euclid Symbol"/>
-              </a:rPr>
-              <a:t>i</a:t>
-            </a:r>
-            <a:r>
-              <a:rPr lang="en-US" sz="4800" dirty="0" smtClean="0">
-                <a:solidFill>
-                  <a:srgbClr val="000000"/>
-                </a:solidFill>
-                <a:latin typeface="Comic Sans MS" pitchFamily="66" charset="0"/>
-                <a:sym typeface="Euclid Symbol"/>
-              </a:rPr>
-              <a:t>) </a:t>
-            </a:r>
-            <a:r>
-              <a:rPr lang="en-US" sz="4000" dirty="0" smtClean="0">
-                <a:solidFill>
-                  <a:srgbClr val="0000FF"/>
-                </a:solidFill>
-                <a:latin typeface="Comic Sans MS" pitchFamily="66" charset="0"/>
-                <a:sym typeface="Euclid Symbol"/>
-              </a:rPr>
-              <a:t>OR…OR </a:t>
-            </a:r>
-            <a:r>
-              <a:rPr lang="en-US" sz="4800" dirty="0" smtClean="0">
-                <a:solidFill>
-                  <a:srgbClr val="000000"/>
-                </a:solidFill>
-                <a:latin typeface="Comic Sans MS" pitchFamily="66" charset="0"/>
-                <a:sym typeface="Euclid Symbol"/>
-              </a:rPr>
-              <a:t>B</a:t>
-            </a:r>
-            <a:r>
-              <a:rPr lang="en-US" sz="4800" dirty="0" smtClean="0">
-                <a:solidFill>
-                  <a:srgbClr val="000000"/>
-                </a:solidFill>
-                <a:latin typeface="Comic Sans MS" pitchFamily="66" charset="0"/>
-                <a:sym typeface="Euclid Symbol"/>
-              </a:rPr>
-              <a:t>(</a:t>
             </a:r>
             <a:r>
               <a:rPr lang="en-US" sz="4800" dirty="0" smtClean="0">
@@ -25947,7 +25833,7 @@
           <a:graphicData uri="http://schemas.openxmlformats.org/presentationml/2006/ole">
             <mc:AlternateContent xmlns:mc="http://schemas.openxmlformats.org/markup-compatibility/2006">
               <mc:Choice xmlns:v="urn:schemas-microsoft-com:vml" Requires="v">
-                <p:oleObj spid="_x0000_s526341" name="Equation" r:id="rId4" imgW="1815840" imgH="457200" progId="Equation.DSMT4">
+                <p:oleObj spid="_x0000_s526343" name="Equation" r:id="rId4" imgW="1815840" imgH="457200" progId="Equation.DSMT4">
                   <p:embed/>
                 </p:oleObj>
               </mc:Choice>

--- a/fall11/slidesF11/slides2f.pptx
+++ b/fall11/slidesF11/slides2f.pptx
@@ -5960,7 +5960,7 @@
           <a:graphicData uri="http://schemas.openxmlformats.org/presentationml/2006/ole">
             <mc:AlternateContent xmlns:mc="http://schemas.openxmlformats.org/markup-compatibility/2006">
               <mc:Choice xmlns:v="urn:schemas-microsoft-com:vml" Requires="v">
-                <p:oleObj spid="_x0000_s527367" name="Equation" r:id="rId4" imgW="1765080" imgH="457200" progId="Equation.DSMT4">
+                <p:oleObj spid="_x0000_s527369" name="Equation" r:id="rId4" imgW="1765080" imgH="457200" progId="Equation.DSMT4">
                   <p:embed/>
                 </p:oleObj>
               </mc:Choice>
@@ -7745,7 +7745,7 @@
           <a:graphicData uri="http://schemas.openxmlformats.org/presentationml/2006/ole">
             <mc:AlternateContent xmlns:mc="http://schemas.openxmlformats.org/markup-compatibility/2006">
               <mc:Choice xmlns:v="urn:schemas-microsoft-com:vml" Requires="v">
-                <p:oleObj spid="_x0000_s479240" name="Equation" r:id="rId4" imgW="164880" imgH="164880" progId="Equation.DSMT4">
+                <p:oleObj spid="_x0000_s479242" name="Equation" r:id="rId4" imgW="164880" imgH="164880" progId="Equation.DSMT4">
                   <p:embed/>
                 </p:oleObj>
               </mc:Choice>
@@ -10865,7 +10865,7 @@
           <a:graphicData uri="http://schemas.openxmlformats.org/presentationml/2006/ole">
             <mc:AlternateContent xmlns:mc="http://schemas.openxmlformats.org/markup-compatibility/2006">
               <mc:Choice xmlns:v="urn:schemas-microsoft-com:vml" Requires="v">
-                <p:oleObj spid="_x0000_s292884" name="Equation" r:id="rId4" imgW="2298600" imgH="228600" progId="Equation.DSMT4">
+                <p:oleObj spid="_x0000_s292889" name="Equation" r:id="rId4" imgW="2298600" imgH="228600" progId="Equation.DSMT4">
                   <p:embed/>
                 </p:oleObj>
               </mc:Choice>
@@ -11085,7 +11085,7 @@
           <a:graphicData uri="http://schemas.openxmlformats.org/presentationml/2006/ole">
             <mc:AlternateContent xmlns:mc="http://schemas.openxmlformats.org/markup-compatibility/2006">
               <mc:Choice xmlns:v="urn:schemas-microsoft-com:vml" Requires="v">
-                <p:oleObj spid="_x0000_s292885" name="Equation" r:id="rId6" imgW="914400" imgH="198720" progId="Equation.DSMT4">
+                <p:oleObj spid="_x0000_s292890" name="Equation" r:id="rId6" imgW="914400" imgH="198720" progId="Equation.DSMT4">
                   <p:embed/>
                 </p:oleObj>
               </mc:Choice>
@@ -11246,7 +11246,7 @@
           <a:graphicData uri="http://schemas.openxmlformats.org/presentationml/2006/ole">
             <mc:AlternateContent xmlns:mc="http://schemas.openxmlformats.org/markup-compatibility/2006">
               <mc:Choice xmlns:v="urn:schemas-microsoft-com:vml" Requires="v">
-                <p:oleObj spid="_x0000_s292886" name="Equation" r:id="rId8" imgW="406400" imgH="444500" progId="Equation.DSMT4">
+                <p:oleObj spid="_x0000_s292891" name="Equation" r:id="rId8" imgW="406400" imgH="444500" progId="Equation.DSMT4">
                   <p:embed/>
                 </p:oleObj>
               </mc:Choice>
@@ -11303,7 +11303,7 @@
           <a:graphicData uri="http://schemas.openxmlformats.org/presentationml/2006/ole">
             <mc:AlternateContent xmlns:mc="http://schemas.openxmlformats.org/markup-compatibility/2006">
               <mc:Choice xmlns:v="urn:schemas-microsoft-com:vml" Requires="v">
-                <p:oleObj spid="_x0000_s292887" name="Equation" r:id="rId10" imgW="279400" imgH="444500" progId="Equation.DSMT4">
+                <p:oleObj spid="_x0000_s292892" name="Equation" r:id="rId10" imgW="279400" imgH="444500" progId="Equation.DSMT4">
                   <p:embed/>
                 </p:oleObj>
               </mc:Choice>
@@ -11783,7 +11783,7 @@
           <a:graphicData uri="http://schemas.openxmlformats.org/presentationml/2006/ole">
             <mc:AlternateContent xmlns:mc="http://schemas.openxmlformats.org/markup-compatibility/2006">
               <mc:Choice xmlns:v="urn:schemas-microsoft-com:vml" Requires="v">
-                <p:oleObj spid="_x0000_s407569" name="Equation" r:id="rId4" imgW="914400" imgH="198720" progId="Equation.DSMT4">
+                <p:oleObj spid="_x0000_s407572" name="Equation" r:id="rId4" imgW="914400" imgH="198720" progId="Equation.DSMT4">
                   <p:embed/>
                 </p:oleObj>
               </mc:Choice>
@@ -11902,7 +11902,7 @@
           <a:graphicData uri="http://schemas.openxmlformats.org/presentationml/2006/ole">
             <mc:AlternateContent xmlns:mc="http://schemas.openxmlformats.org/markup-compatibility/2006">
               <mc:Choice xmlns:v="urn:schemas-microsoft-com:vml" Requires="v">
-                <p:oleObj spid="_x0000_s407570" name="Equation" r:id="rId6" imgW="2247840" imgH="228600" progId="Equation.DSMT4">
+                <p:oleObj spid="_x0000_s407573" name="Equation" r:id="rId6" imgW="2247840" imgH="228600" progId="Equation.DSMT4">
                   <p:embed/>
                 </p:oleObj>
               </mc:Choice>
@@ -12163,7 +12163,7 @@
           <a:graphicData uri="http://schemas.openxmlformats.org/presentationml/2006/ole">
             <mc:AlternateContent xmlns:mc="http://schemas.openxmlformats.org/markup-compatibility/2006">
               <mc:Choice xmlns:v="urn:schemas-microsoft-com:vml" Requires="v">
-                <p:oleObj spid="_x0000_s294922" name="Equation" r:id="rId4" imgW="2222280" imgH="203040" progId="Equation.DSMT4">
+                <p:oleObj spid="_x0000_s294925" name="Equation" r:id="rId4" imgW="2222280" imgH="203040" progId="Equation.DSMT4">
                   <p:embed/>
                 </p:oleObj>
               </mc:Choice>
@@ -12233,7 +12233,7 @@
           <a:graphicData uri="http://schemas.openxmlformats.org/presentationml/2006/ole">
             <mc:AlternateContent xmlns:mc="http://schemas.openxmlformats.org/markup-compatibility/2006">
               <mc:Choice xmlns:v="urn:schemas-microsoft-com:vml" Requires="v">
-                <p:oleObj spid="_x0000_s294923" name="Equation" r:id="rId6" imgW="914400" imgH="198720" progId="Equation.DSMT4">
+                <p:oleObj spid="_x0000_s294926" name="Equation" r:id="rId6" imgW="914400" imgH="198720" progId="Equation.DSMT4">
                   <p:embed/>
                 </p:oleObj>
               </mc:Choice>
@@ -13056,7 +13056,7 @@
           <a:graphicData uri="http://schemas.openxmlformats.org/presentationml/2006/ole">
             <mc:AlternateContent xmlns:mc="http://schemas.openxmlformats.org/markup-compatibility/2006">
               <mc:Choice xmlns:v="urn:schemas-microsoft-com:vml" Requires="v">
-                <p:oleObj spid="_x0000_s295952" name="Equation" r:id="rId4" imgW="914400" imgH="198720" progId="Equation.DSMT4">
+                <p:oleObj spid="_x0000_s295957" name="Equation" r:id="rId4" imgW="914400" imgH="198720" progId="Equation.DSMT4">
                   <p:embed/>
                 </p:oleObj>
               </mc:Choice>
@@ -13126,7 +13126,7 @@
           <a:graphicData uri="http://schemas.openxmlformats.org/presentationml/2006/ole">
             <mc:AlternateContent xmlns:mc="http://schemas.openxmlformats.org/markup-compatibility/2006">
               <mc:Choice xmlns:v="urn:schemas-microsoft-com:vml" Requires="v">
-                <p:oleObj spid="_x0000_s295953" name="Equation" r:id="rId6" imgW="2222280" imgH="203040" progId="Equation.DSMT4">
+                <p:oleObj spid="_x0000_s295958" name="Equation" r:id="rId6" imgW="2222280" imgH="203040" progId="Equation.DSMT4">
                   <p:embed/>
                 </p:oleObj>
               </mc:Choice>
@@ -13216,7 +13216,7 @@
             <a:graphicData uri="http://schemas.openxmlformats.org/presentationml/2006/ole">
               <mc:AlternateContent xmlns:mc="http://schemas.openxmlformats.org/markup-compatibility/2006">
                 <mc:Choice xmlns:v="urn:schemas-microsoft-com:vml" Requires="v">
-                  <p:oleObj spid="_x0000_s295954" name="Equation" r:id="rId8" imgW="812800" imgH="393700" progId="Equation.DSMT4">
+                  <p:oleObj spid="_x0000_s295959" name="Equation" r:id="rId8" imgW="812800" imgH="393700" progId="Equation.DSMT4">
                     <p:embed/>
                   </p:oleObj>
                 </mc:Choice>
@@ -13286,7 +13286,7 @@
             <a:graphicData uri="http://schemas.openxmlformats.org/presentationml/2006/ole">
               <mc:AlternateContent xmlns:mc="http://schemas.openxmlformats.org/markup-compatibility/2006">
                 <mc:Choice xmlns:v="urn:schemas-microsoft-com:vml" Requires="v">
-                  <p:oleObj spid="_x0000_s295955" name="Equation" r:id="rId10" imgW="812800" imgH="393700" progId="Equation.DSMT4">
+                  <p:oleObj spid="_x0000_s295960" name="Equation" r:id="rId10" imgW="812800" imgH="393700" progId="Equation.DSMT4">
                     <p:embed/>
                   </p:oleObj>
                 </mc:Choice>
@@ -13683,7 +13683,7 @@
           <a:graphicData uri="http://schemas.openxmlformats.org/presentationml/2006/ole">
             <mc:AlternateContent xmlns:mc="http://schemas.openxmlformats.org/markup-compatibility/2006">
               <mc:Choice xmlns:v="urn:schemas-microsoft-com:vml" Requires="v">
-                <p:oleObj spid="_x0000_s296968" name="Equation" r:id="rId4" imgW="2234880" imgH="203040" progId="Equation.DSMT4">
+                <p:oleObj spid="_x0000_s296970" name="Equation" r:id="rId4" imgW="2234880" imgH="203040" progId="Equation.DSMT4">
                   <p:embed/>
                 </p:oleObj>
               </mc:Choice>
@@ -14102,7 +14102,7 @@
           <a:graphicData uri="http://schemas.openxmlformats.org/presentationml/2006/ole">
             <mc:AlternateContent xmlns:mc="http://schemas.openxmlformats.org/markup-compatibility/2006">
               <mc:Choice xmlns:v="urn:schemas-microsoft-com:vml" Requires="v">
-                <p:oleObj spid="_x0000_s409607" name="Equation" r:id="rId4" imgW="2234880" imgH="203040" progId="Equation.DSMT4">
+                <p:oleObj spid="_x0000_s409609" name="Equation" r:id="rId4" imgW="2234880" imgH="203040" progId="Equation.DSMT4">
                   <p:embed/>
                 </p:oleObj>
               </mc:Choice>
@@ -14547,7 +14547,7 @@
           <a:graphicData uri="http://schemas.openxmlformats.org/presentationml/2006/ole">
             <mc:AlternateContent xmlns:mc="http://schemas.openxmlformats.org/markup-compatibility/2006">
               <mc:Choice xmlns:v="urn:schemas-microsoft-com:vml" Requires="v">
-                <p:oleObj spid="_x0000_s297996" name="Equation" r:id="rId4" imgW="914400" imgH="198720" progId="Equation.DSMT4">
+                <p:oleObj spid="_x0000_s297999" name="Equation" r:id="rId4" imgW="914400" imgH="198720" progId="Equation.DSMT4">
                   <p:embed/>
                 </p:oleObj>
               </mc:Choice>
@@ -14617,7 +14617,7 @@
           <a:graphicData uri="http://schemas.openxmlformats.org/presentationml/2006/ole">
             <mc:AlternateContent xmlns:mc="http://schemas.openxmlformats.org/markup-compatibility/2006">
               <mc:Choice xmlns:v="urn:schemas-microsoft-com:vml" Requires="v">
-                <p:oleObj spid="_x0000_s297997" name="Equation" r:id="rId6" imgW="2019300" imgH="215900" progId="Equation.DSMT4">
+                <p:oleObj spid="_x0000_s298000" name="Equation" r:id="rId6" imgW="2019300" imgH="215900" progId="Equation.DSMT4">
                   <p:embed/>
                 </p:oleObj>
               </mc:Choice>
@@ -14754,7 +14754,7 @@
           <a:graphicData uri="http://schemas.openxmlformats.org/presentationml/2006/ole">
             <mc:AlternateContent xmlns:mc="http://schemas.openxmlformats.org/markup-compatibility/2006">
               <mc:Choice xmlns:v="urn:schemas-microsoft-com:vml" Requires="v">
-                <p:oleObj spid="_x0000_s299021" name="Equation" r:id="rId4" imgW="914400" imgH="198720" progId="Equation.DSMT4">
+                <p:oleObj spid="_x0000_s299025" name="Equation" r:id="rId4" imgW="914400" imgH="198720" progId="Equation.DSMT4">
                   <p:embed/>
                 </p:oleObj>
               </mc:Choice>
@@ -14824,7 +14824,7 @@
           <a:graphicData uri="http://schemas.openxmlformats.org/presentationml/2006/ole">
             <mc:AlternateContent xmlns:mc="http://schemas.openxmlformats.org/markup-compatibility/2006">
               <mc:Choice xmlns:v="urn:schemas-microsoft-com:vml" Requires="v">
-                <p:oleObj spid="_x0000_s299022" name="Equation" r:id="rId6" imgW="914400" imgH="198720" progId="Equation.DSMT4">
+                <p:oleObj spid="_x0000_s299026" name="Equation" r:id="rId6" imgW="914400" imgH="198720" progId="Equation.DSMT4">
                   <p:embed/>
                 </p:oleObj>
               </mc:Choice>
@@ -14953,7 +14953,7 @@
           <a:graphicData uri="http://schemas.openxmlformats.org/presentationml/2006/ole">
             <mc:AlternateContent xmlns:mc="http://schemas.openxmlformats.org/markup-compatibility/2006">
               <mc:Choice xmlns:v="urn:schemas-microsoft-com:vml" Requires="v">
-                <p:oleObj spid="_x0000_s299023" name="Equation" r:id="rId8" imgW="2032000" imgH="457200" progId="Equation.DSMT4">
+                <p:oleObj spid="_x0000_s299027" name="Equation" r:id="rId8" imgW="2032000" imgH="457200" progId="Equation.DSMT4">
                   <p:embed/>
                 </p:oleObj>
               </mc:Choice>
@@ -15102,7 +15102,7 @@
 </file>
 
 <file path=ppt/slides/slide25.xml><?xml version="1.0" encoding="utf-8"?>
-<p:sld xmlns:a="http://schemas.openxmlformats.org/drawingml/2006/main" xmlns:r="http://schemas.openxmlformats.org/officeDocument/2006/relationships" xmlns:p="http://schemas.openxmlformats.org/presentationml/2006/main">
+<p:sld xmlns:a="http://schemas.openxmlformats.org/drawingml/2006/main" xmlns:r="http://schemas.openxmlformats.org/officeDocument/2006/relationships" xmlns:p="http://schemas.openxmlformats.org/presentationml/2006/main" show="0">
   <p:cSld>
     <p:spTree>
       <p:nvGrpSpPr>
@@ -15134,7 +15134,7 @@
           <a:graphicData uri="http://schemas.openxmlformats.org/presentationml/2006/ole">
             <mc:AlternateContent xmlns:mc="http://schemas.openxmlformats.org/markup-compatibility/2006">
               <mc:Choice xmlns:v="urn:schemas-microsoft-com:vml" Requires="v">
-                <p:oleObj spid="_x0000_s466957" name="Equation" r:id="rId4" imgW="914400" imgH="198720" progId="Equation.DSMT4">
+                <p:oleObj spid="_x0000_s466960" name="Equation" r:id="rId4" imgW="914400" imgH="198720" progId="Equation.DSMT4">
                   <p:embed/>
                 </p:oleObj>
               </mc:Choice>
@@ -15453,7 +15453,7 @@
           <a:graphicData uri="http://schemas.openxmlformats.org/presentationml/2006/ole">
             <mc:AlternateContent xmlns:mc="http://schemas.openxmlformats.org/markup-compatibility/2006">
               <mc:Choice xmlns:v="urn:schemas-microsoft-com:vml" Requires="v">
-                <p:oleObj spid="_x0000_s466958" name="Equation" r:id="rId6" imgW="2032000" imgH="457200" progId="Equation.DSMT4">
+                <p:oleObj spid="_x0000_s466961" name="Equation" r:id="rId6" imgW="2032000" imgH="457200" progId="Equation.DSMT4">
                   <p:embed/>
                 </p:oleObj>
               </mc:Choice>
@@ -15875,7 +15875,7 @@
 </file>
 
 <file path=ppt/slides/slide26.xml><?xml version="1.0" encoding="utf-8"?>
-<p:sld xmlns:a="http://schemas.openxmlformats.org/drawingml/2006/main" xmlns:r="http://schemas.openxmlformats.org/officeDocument/2006/relationships" xmlns:p="http://schemas.openxmlformats.org/presentationml/2006/main">
+<p:sld xmlns:a="http://schemas.openxmlformats.org/drawingml/2006/main" xmlns:r="http://schemas.openxmlformats.org/officeDocument/2006/relationships" xmlns:p="http://schemas.openxmlformats.org/presentationml/2006/main" show="0">
   <p:cSld>
     <p:spTree>
       <p:nvGrpSpPr>
@@ -16648,7 +16648,7 @@
           <a:graphicData uri="http://schemas.openxmlformats.org/presentationml/2006/ole">
             <mc:AlternateContent xmlns:mc="http://schemas.openxmlformats.org/markup-compatibility/2006">
               <mc:Choice xmlns:v="urn:schemas-microsoft-com:vml" Requires="v">
-                <p:oleObj spid="_x0000_s468999" name="Equation" r:id="rId4" imgW="914400" imgH="198720" progId="Equation.DSMT4">
+                <p:oleObj spid="_x0000_s469001" name="Equation" r:id="rId4" imgW="914400" imgH="198720" progId="Equation.DSMT4">
                   <p:embed/>
                 </p:oleObj>
               </mc:Choice>
@@ -18037,7 +18037,7 @@
           <a:graphicData uri="http://schemas.openxmlformats.org/presentationml/2006/ole">
             <mc:AlternateContent xmlns:mc="http://schemas.openxmlformats.org/markup-compatibility/2006">
               <mc:Choice xmlns:v="urn:schemas-microsoft-com:vml" Requires="v">
-                <p:oleObj spid="_x0000_s480266" name="Equation" r:id="rId4" imgW="914400" imgH="198720" progId="Equation.DSMT4">
+                <p:oleObj spid="_x0000_s480269" name="Equation" r:id="rId4" imgW="914400" imgH="198720" progId="Equation.DSMT4">
                   <p:embed/>
                 </p:oleObj>
               </mc:Choice>
@@ -18237,7 +18237,7 @@
           <a:graphicData uri="http://schemas.openxmlformats.org/presentationml/2006/ole">
             <mc:AlternateContent xmlns:mc="http://schemas.openxmlformats.org/markup-compatibility/2006">
               <mc:Choice xmlns:v="urn:schemas-microsoft-com:vml" Requires="v">
-                <p:oleObj spid="_x0000_s480267" name="Equation" r:id="rId6" imgW="1968500" imgH="457200" progId="Equation.DSMT4">
+                <p:oleObj spid="_x0000_s480270" name="Equation" r:id="rId6" imgW="1968500" imgH="457200" progId="Equation.DSMT4">
                   <p:embed/>
                 </p:oleObj>
               </mc:Choice>
@@ -18769,7 +18769,7 @@
 </file>
 
 <file path=ppt/slides/slide28.xml><?xml version="1.0" encoding="utf-8"?>
-<p:sld xmlns:a="http://schemas.openxmlformats.org/drawingml/2006/main" xmlns:r="http://schemas.openxmlformats.org/officeDocument/2006/relationships" xmlns:p="http://schemas.openxmlformats.org/presentationml/2006/main">
+<p:sld xmlns:a="http://schemas.openxmlformats.org/drawingml/2006/main" xmlns:r="http://schemas.openxmlformats.org/officeDocument/2006/relationships" xmlns:p="http://schemas.openxmlformats.org/presentationml/2006/main" show="0">
   <p:cSld>
     <p:spTree>
       <p:nvGrpSpPr>
@@ -18992,7 +18992,7 @@
           <a:graphicData uri="http://schemas.openxmlformats.org/presentationml/2006/ole">
             <mc:AlternateContent xmlns:mc="http://schemas.openxmlformats.org/markup-compatibility/2006">
               <mc:Choice xmlns:v="urn:schemas-microsoft-com:vml" Requires="v">
-                <p:oleObj spid="_x0000_s563211" name="Equation" r:id="rId4" imgW="596900" imgH="520700" progId="Equation.DSMT4">
+                <p:oleObj spid="_x0000_s563213" name="Equation" r:id="rId4" imgW="596900" imgH="520700" progId="Equation.DSMT4">
                   <p:embed/>
                 </p:oleObj>
               </mc:Choice>
@@ -20585,7 +20585,7 @@
 </file>
 
 <file path=ppt/slides/slide30.xml><?xml version="1.0" encoding="utf-8"?>
-<p:sld xmlns:a="http://schemas.openxmlformats.org/drawingml/2006/main" xmlns:r="http://schemas.openxmlformats.org/officeDocument/2006/relationships" xmlns:p="http://schemas.openxmlformats.org/presentationml/2006/main">
+<p:sld xmlns:a="http://schemas.openxmlformats.org/drawingml/2006/main" xmlns:r="http://schemas.openxmlformats.org/officeDocument/2006/relationships" xmlns:p="http://schemas.openxmlformats.org/presentationml/2006/main" show="0">
   <p:cSld>
     <p:spTree>
       <p:nvGrpSpPr>
@@ -21143,7 +21143,7 @@
 </file>
 
 <file path=ppt/slides/slide32.xml><?xml version="1.0" encoding="utf-8"?>
-<p:sld xmlns:a="http://schemas.openxmlformats.org/drawingml/2006/main" xmlns:r="http://schemas.openxmlformats.org/officeDocument/2006/relationships" xmlns:p="http://schemas.openxmlformats.org/presentationml/2006/main">
+<p:sld xmlns:a="http://schemas.openxmlformats.org/drawingml/2006/main" xmlns:r="http://schemas.openxmlformats.org/officeDocument/2006/relationships" xmlns:p="http://schemas.openxmlformats.org/presentationml/2006/main" show="0">
   <p:cSld>
     <p:spTree>
       <p:nvGrpSpPr>
@@ -21338,7 +21338,7 @@
 </file>
 
 <file path=ppt/slides/slide33.xml><?xml version="1.0" encoding="utf-8"?>
-<p:sld xmlns:a="http://schemas.openxmlformats.org/drawingml/2006/main" xmlns:r="http://schemas.openxmlformats.org/officeDocument/2006/relationships" xmlns:p="http://schemas.openxmlformats.org/presentationml/2006/main">
+<p:sld xmlns:a="http://schemas.openxmlformats.org/drawingml/2006/main" xmlns:r="http://schemas.openxmlformats.org/officeDocument/2006/relationships" xmlns:p="http://schemas.openxmlformats.org/presentationml/2006/main" show="0">
   <p:cSld>
     <p:spTree>
       <p:nvGrpSpPr>
@@ -21654,7 +21654,7 @@
 </file>
 
 <file path=ppt/slides/slide34.xml><?xml version="1.0" encoding="utf-8"?>
-<p:sld xmlns:a="http://schemas.openxmlformats.org/drawingml/2006/main" xmlns:r="http://schemas.openxmlformats.org/officeDocument/2006/relationships" xmlns:p="http://schemas.openxmlformats.org/presentationml/2006/main">
+<p:sld xmlns:a="http://schemas.openxmlformats.org/drawingml/2006/main" xmlns:r="http://schemas.openxmlformats.org/officeDocument/2006/relationships" xmlns:p="http://schemas.openxmlformats.org/presentationml/2006/main" show="0">
   <p:cSld>
     <p:spTree>
       <p:nvGrpSpPr>
@@ -21782,7 +21782,7 @@
 </file>
 
 <file path=ppt/slides/slide35.xml><?xml version="1.0" encoding="utf-8"?>
-<p:sld xmlns:a="http://schemas.openxmlformats.org/drawingml/2006/main" xmlns:r="http://schemas.openxmlformats.org/officeDocument/2006/relationships" xmlns:p="http://schemas.openxmlformats.org/presentationml/2006/main">
+<p:sld xmlns:a="http://schemas.openxmlformats.org/drawingml/2006/main" xmlns:r="http://schemas.openxmlformats.org/officeDocument/2006/relationships" xmlns:p="http://schemas.openxmlformats.org/presentationml/2006/main" show="0">
   <p:cSld>
     <p:spTree>
       <p:nvGrpSpPr>
@@ -21921,7 +21921,7 @@
 </file>
 
 <file path=ppt/slides/slide36.xml><?xml version="1.0" encoding="utf-8"?>
-<p:sld xmlns:a="http://schemas.openxmlformats.org/drawingml/2006/main" xmlns:r="http://schemas.openxmlformats.org/officeDocument/2006/relationships" xmlns:p="http://schemas.openxmlformats.org/presentationml/2006/main">
+<p:sld xmlns:a="http://schemas.openxmlformats.org/drawingml/2006/main" xmlns:r="http://schemas.openxmlformats.org/officeDocument/2006/relationships" xmlns:p="http://schemas.openxmlformats.org/presentationml/2006/main" show="0">
   <p:cSld>
     <p:spTree>
       <p:nvGrpSpPr>
@@ -22359,7 +22359,7 @@
 </file>
 
 <file path=ppt/slides/slide37.xml><?xml version="1.0" encoding="utf-8"?>
-<p:sld xmlns:a="http://schemas.openxmlformats.org/drawingml/2006/main" xmlns:r="http://schemas.openxmlformats.org/officeDocument/2006/relationships" xmlns:p="http://schemas.openxmlformats.org/presentationml/2006/main">
+<p:sld xmlns:a="http://schemas.openxmlformats.org/drawingml/2006/main" xmlns:r="http://schemas.openxmlformats.org/officeDocument/2006/relationships" xmlns:p="http://schemas.openxmlformats.org/presentationml/2006/main" show="0">
   <p:cSld>
     <p:spTree>
       <p:nvGrpSpPr>
@@ -25833,7 +25833,7 @@
           <a:graphicData uri="http://schemas.openxmlformats.org/presentationml/2006/ole">
             <mc:AlternateContent xmlns:mc="http://schemas.openxmlformats.org/markup-compatibility/2006">
               <mc:Choice xmlns:v="urn:schemas-microsoft-com:vml" Requires="v">
-                <p:oleObj spid="_x0000_s526343" name="Equation" r:id="rId4" imgW="1815840" imgH="457200" progId="Equation.DSMT4">
+                <p:oleObj spid="_x0000_s526345" name="Equation" r:id="rId4" imgW="1815840" imgH="457200" progId="Equation.DSMT4">
                   <p:embed/>
                 </p:oleObj>
               </mc:Choice>

--- a/fall11/slidesF11/slides2f.pptx
+++ b/fall11/slidesF11/slides2f.pptx
@@ -5960,7 +5960,7 @@
           <a:graphicData uri="http://schemas.openxmlformats.org/presentationml/2006/ole">
             <mc:AlternateContent xmlns:mc="http://schemas.openxmlformats.org/markup-compatibility/2006">
               <mc:Choice xmlns:v="urn:schemas-microsoft-com:vml" Requires="v">
-                <p:oleObj spid="_x0000_s527369" name="Equation" r:id="rId4" imgW="1765080" imgH="457200" progId="Equation.DSMT4">
+                <p:oleObj spid="_x0000_s527372" name="Equation" r:id="rId4" imgW="1765080" imgH="457200" progId="Equation.DSMT4">
                   <p:embed/>
                 </p:oleObj>
               </mc:Choice>
@@ -7745,7 +7745,7 @@
           <a:graphicData uri="http://schemas.openxmlformats.org/presentationml/2006/ole">
             <mc:AlternateContent xmlns:mc="http://schemas.openxmlformats.org/markup-compatibility/2006">
               <mc:Choice xmlns:v="urn:schemas-microsoft-com:vml" Requires="v">
-                <p:oleObj spid="_x0000_s479242" name="Equation" r:id="rId4" imgW="164880" imgH="164880" progId="Equation.DSMT4">
+                <p:oleObj spid="_x0000_s479245" name="Equation" r:id="rId4" imgW="164880" imgH="164880" progId="Equation.DSMT4">
                   <p:embed/>
                 </p:oleObj>
               </mc:Choice>
@@ -10865,7 +10865,7 @@
           <a:graphicData uri="http://schemas.openxmlformats.org/presentationml/2006/ole">
             <mc:AlternateContent xmlns:mc="http://schemas.openxmlformats.org/markup-compatibility/2006">
               <mc:Choice xmlns:v="urn:schemas-microsoft-com:vml" Requires="v">
-                <p:oleObj spid="_x0000_s292889" name="Equation" r:id="rId4" imgW="2298600" imgH="228600" progId="Equation.DSMT4">
+                <p:oleObj spid="_x0000_s292898" name="Equation" r:id="rId4" imgW="2298600" imgH="228600" progId="Equation.DSMT4">
                   <p:embed/>
                 </p:oleObj>
               </mc:Choice>
@@ -11085,7 +11085,7 @@
           <a:graphicData uri="http://schemas.openxmlformats.org/presentationml/2006/ole">
             <mc:AlternateContent xmlns:mc="http://schemas.openxmlformats.org/markup-compatibility/2006">
               <mc:Choice xmlns:v="urn:schemas-microsoft-com:vml" Requires="v">
-                <p:oleObj spid="_x0000_s292890" name="Equation" r:id="rId6" imgW="914400" imgH="198720" progId="Equation.DSMT4">
+                <p:oleObj spid="_x0000_s292899" name="Equation" r:id="rId6" imgW="914400" imgH="198720" progId="Equation.DSMT4">
                   <p:embed/>
                 </p:oleObj>
               </mc:Choice>
@@ -11246,7 +11246,7 @@
           <a:graphicData uri="http://schemas.openxmlformats.org/presentationml/2006/ole">
             <mc:AlternateContent xmlns:mc="http://schemas.openxmlformats.org/markup-compatibility/2006">
               <mc:Choice xmlns:v="urn:schemas-microsoft-com:vml" Requires="v">
-                <p:oleObj spid="_x0000_s292891" name="Equation" r:id="rId8" imgW="406400" imgH="444500" progId="Equation.DSMT4">
+                <p:oleObj spid="_x0000_s292900" name="Equation" r:id="rId8" imgW="406400" imgH="444500" progId="Equation.DSMT4">
                   <p:embed/>
                 </p:oleObj>
               </mc:Choice>
@@ -11303,7 +11303,7 @@
           <a:graphicData uri="http://schemas.openxmlformats.org/presentationml/2006/ole">
             <mc:AlternateContent xmlns:mc="http://schemas.openxmlformats.org/markup-compatibility/2006">
               <mc:Choice xmlns:v="urn:schemas-microsoft-com:vml" Requires="v">
-                <p:oleObj spid="_x0000_s292892" name="Equation" r:id="rId10" imgW="279400" imgH="444500" progId="Equation.DSMT4">
+                <p:oleObj spid="_x0000_s292901" name="Equation" r:id="rId10" imgW="279400" imgH="444500" progId="Equation.DSMT4">
                   <p:embed/>
                 </p:oleObj>
               </mc:Choice>
@@ -11783,7 +11783,7 @@
           <a:graphicData uri="http://schemas.openxmlformats.org/presentationml/2006/ole">
             <mc:AlternateContent xmlns:mc="http://schemas.openxmlformats.org/markup-compatibility/2006">
               <mc:Choice xmlns:v="urn:schemas-microsoft-com:vml" Requires="v">
-                <p:oleObj spid="_x0000_s407572" name="Equation" r:id="rId4" imgW="914400" imgH="198720" progId="Equation.DSMT4">
+                <p:oleObj spid="_x0000_s407577" name="Equation" r:id="rId4" imgW="914400" imgH="198720" progId="Equation.DSMT4">
                   <p:embed/>
                 </p:oleObj>
               </mc:Choice>
@@ -11902,7 +11902,7 @@
           <a:graphicData uri="http://schemas.openxmlformats.org/presentationml/2006/ole">
             <mc:AlternateContent xmlns:mc="http://schemas.openxmlformats.org/markup-compatibility/2006">
               <mc:Choice xmlns:v="urn:schemas-microsoft-com:vml" Requires="v">
-                <p:oleObj spid="_x0000_s407573" name="Equation" r:id="rId6" imgW="2247840" imgH="228600" progId="Equation.DSMT4">
+                <p:oleObj spid="_x0000_s407578" name="Equation" r:id="rId6" imgW="2247840" imgH="228600" progId="Equation.DSMT4">
                   <p:embed/>
                 </p:oleObj>
               </mc:Choice>
@@ -12163,7 +12163,7 @@
           <a:graphicData uri="http://schemas.openxmlformats.org/presentationml/2006/ole">
             <mc:AlternateContent xmlns:mc="http://schemas.openxmlformats.org/markup-compatibility/2006">
               <mc:Choice xmlns:v="urn:schemas-microsoft-com:vml" Requires="v">
-                <p:oleObj spid="_x0000_s294925" name="Equation" r:id="rId4" imgW="2222280" imgH="203040" progId="Equation.DSMT4">
+                <p:oleObj spid="_x0000_s294930" name="Equation" r:id="rId4" imgW="2222280" imgH="203040" progId="Equation.DSMT4">
                   <p:embed/>
                 </p:oleObj>
               </mc:Choice>
@@ -12233,7 +12233,7 @@
           <a:graphicData uri="http://schemas.openxmlformats.org/presentationml/2006/ole">
             <mc:AlternateContent xmlns:mc="http://schemas.openxmlformats.org/markup-compatibility/2006">
               <mc:Choice xmlns:v="urn:schemas-microsoft-com:vml" Requires="v">
-                <p:oleObj spid="_x0000_s294926" name="Equation" r:id="rId6" imgW="914400" imgH="198720" progId="Equation.DSMT4">
+                <p:oleObj spid="_x0000_s294931" name="Equation" r:id="rId6" imgW="914400" imgH="198720" progId="Equation.DSMT4">
                   <p:embed/>
                 </p:oleObj>
               </mc:Choice>
@@ -13056,7 +13056,7 @@
           <a:graphicData uri="http://schemas.openxmlformats.org/presentationml/2006/ole">
             <mc:AlternateContent xmlns:mc="http://schemas.openxmlformats.org/markup-compatibility/2006">
               <mc:Choice xmlns:v="urn:schemas-microsoft-com:vml" Requires="v">
-                <p:oleObj spid="_x0000_s295957" name="Equation" r:id="rId4" imgW="914400" imgH="198720" progId="Equation.DSMT4">
+                <p:oleObj spid="_x0000_s295966" name="Equation" r:id="rId4" imgW="914400" imgH="198720" progId="Equation.DSMT4">
                   <p:embed/>
                 </p:oleObj>
               </mc:Choice>
@@ -13126,7 +13126,7 @@
           <a:graphicData uri="http://schemas.openxmlformats.org/presentationml/2006/ole">
             <mc:AlternateContent xmlns:mc="http://schemas.openxmlformats.org/markup-compatibility/2006">
               <mc:Choice xmlns:v="urn:schemas-microsoft-com:vml" Requires="v">
-                <p:oleObj spid="_x0000_s295958" name="Equation" r:id="rId6" imgW="2222280" imgH="203040" progId="Equation.DSMT4">
+                <p:oleObj spid="_x0000_s295967" name="Equation" r:id="rId6" imgW="2222280" imgH="203040" progId="Equation.DSMT4">
                   <p:embed/>
                 </p:oleObj>
               </mc:Choice>
@@ -13216,7 +13216,7 @@
             <a:graphicData uri="http://schemas.openxmlformats.org/presentationml/2006/ole">
               <mc:AlternateContent xmlns:mc="http://schemas.openxmlformats.org/markup-compatibility/2006">
                 <mc:Choice xmlns:v="urn:schemas-microsoft-com:vml" Requires="v">
-                  <p:oleObj spid="_x0000_s295959" name="Equation" r:id="rId8" imgW="812800" imgH="393700" progId="Equation.DSMT4">
+                  <p:oleObj spid="_x0000_s295968" name="Equation" r:id="rId8" imgW="812800" imgH="393700" progId="Equation.DSMT4">
                     <p:embed/>
                   </p:oleObj>
                 </mc:Choice>
@@ -13286,7 +13286,7 @@
             <a:graphicData uri="http://schemas.openxmlformats.org/presentationml/2006/ole">
               <mc:AlternateContent xmlns:mc="http://schemas.openxmlformats.org/markup-compatibility/2006">
                 <mc:Choice xmlns:v="urn:schemas-microsoft-com:vml" Requires="v">
-                  <p:oleObj spid="_x0000_s295960" name="Equation" r:id="rId10" imgW="812800" imgH="393700" progId="Equation.DSMT4">
+                  <p:oleObj spid="_x0000_s295969" name="Equation" r:id="rId10" imgW="812800" imgH="393700" progId="Equation.DSMT4">
                     <p:embed/>
                   </p:oleObj>
                 </mc:Choice>
@@ -13683,7 +13683,7 @@
           <a:graphicData uri="http://schemas.openxmlformats.org/presentationml/2006/ole">
             <mc:AlternateContent xmlns:mc="http://schemas.openxmlformats.org/markup-compatibility/2006">
               <mc:Choice xmlns:v="urn:schemas-microsoft-com:vml" Requires="v">
-                <p:oleObj spid="_x0000_s296970" name="Equation" r:id="rId4" imgW="2234880" imgH="203040" progId="Equation.DSMT4">
+                <p:oleObj spid="_x0000_s296973" name="Equation" r:id="rId4" imgW="2234880" imgH="203040" progId="Equation.DSMT4">
                   <p:embed/>
                 </p:oleObj>
               </mc:Choice>
@@ -14102,7 +14102,7 @@
           <a:graphicData uri="http://schemas.openxmlformats.org/presentationml/2006/ole">
             <mc:AlternateContent xmlns:mc="http://schemas.openxmlformats.org/markup-compatibility/2006">
               <mc:Choice xmlns:v="urn:schemas-microsoft-com:vml" Requires="v">
-                <p:oleObj spid="_x0000_s409609" name="Equation" r:id="rId4" imgW="2234880" imgH="203040" progId="Equation.DSMT4">
+                <p:oleObj spid="_x0000_s409612" name="Equation" r:id="rId4" imgW="2234880" imgH="203040" progId="Equation.DSMT4">
                   <p:embed/>
                 </p:oleObj>
               </mc:Choice>
@@ -14547,7 +14547,7 @@
           <a:graphicData uri="http://schemas.openxmlformats.org/presentationml/2006/ole">
             <mc:AlternateContent xmlns:mc="http://schemas.openxmlformats.org/markup-compatibility/2006">
               <mc:Choice xmlns:v="urn:schemas-microsoft-com:vml" Requires="v">
-                <p:oleObj spid="_x0000_s297999" name="Equation" r:id="rId4" imgW="914400" imgH="198720" progId="Equation.DSMT4">
+                <p:oleObj spid="_x0000_s298004" name="Equation" r:id="rId4" imgW="914400" imgH="198720" progId="Equation.DSMT4">
                   <p:embed/>
                 </p:oleObj>
               </mc:Choice>
@@ -14617,7 +14617,7 @@
           <a:graphicData uri="http://schemas.openxmlformats.org/presentationml/2006/ole">
             <mc:AlternateContent xmlns:mc="http://schemas.openxmlformats.org/markup-compatibility/2006">
               <mc:Choice xmlns:v="urn:schemas-microsoft-com:vml" Requires="v">
-                <p:oleObj spid="_x0000_s298000" name="Equation" r:id="rId6" imgW="2019300" imgH="215900" progId="Equation.DSMT4">
+                <p:oleObj spid="_x0000_s298005" name="Equation" r:id="rId6" imgW="2019300" imgH="215900" progId="Equation.DSMT4">
                   <p:embed/>
                 </p:oleObj>
               </mc:Choice>
@@ -14754,7 +14754,7 @@
           <a:graphicData uri="http://schemas.openxmlformats.org/presentationml/2006/ole">
             <mc:AlternateContent xmlns:mc="http://schemas.openxmlformats.org/markup-compatibility/2006">
               <mc:Choice xmlns:v="urn:schemas-microsoft-com:vml" Requires="v">
-                <p:oleObj spid="_x0000_s299025" name="Equation" r:id="rId4" imgW="914400" imgH="198720" progId="Equation.DSMT4">
+                <p:oleObj spid="_x0000_s299032" name="Equation" r:id="rId4" imgW="914400" imgH="198720" progId="Equation.DSMT4">
                   <p:embed/>
                 </p:oleObj>
               </mc:Choice>
@@ -14824,7 +14824,7 @@
           <a:graphicData uri="http://schemas.openxmlformats.org/presentationml/2006/ole">
             <mc:AlternateContent xmlns:mc="http://schemas.openxmlformats.org/markup-compatibility/2006">
               <mc:Choice xmlns:v="urn:schemas-microsoft-com:vml" Requires="v">
-                <p:oleObj spid="_x0000_s299026" name="Equation" r:id="rId6" imgW="914400" imgH="198720" progId="Equation.DSMT4">
+                <p:oleObj spid="_x0000_s299033" name="Equation" r:id="rId6" imgW="914400" imgH="198720" progId="Equation.DSMT4">
                   <p:embed/>
                 </p:oleObj>
               </mc:Choice>
@@ -14953,7 +14953,7 @@
           <a:graphicData uri="http://schemas.openxmlformats.org/presentationml/2006/ole">
             <mc:AlternateContent xmlns:mc="http://schemas.openxmlformats.org/markup-compatibility/2006">
               <mc:Choice xmlns:v="urn:schemas-microsoft-com:vml" Requires="v">
-                <p:oleObj spid="_x0000_s299027" name="Equation" r:id="rId8" imgW="2032000" imgH="457200" progId="Equation.DSMT4">
+                <p:oleObj spid="_x0000_s299034" name="Equation" r:id="rId8" imgW="2032000" imgH="457200" progId="Equation.DSMT4">
                   <p:embed/>
                 </p:oleObj>
               </mc:Choice>
@@ -15134,7 +15134,7 @@
           <a:graphicData uri="http://schemas.openxmlformats.org/presentationml/2006/ole">
             <mc:AlternateContent xmlns:mc="http://schemas.openxmlformats.org/markup-compatibility/2006">
               <mc:Choice xmlns:v="urn:schemas-microsoft-com:vml" Requires="v">
-                <p:oleObj spid="_x0000_s466960" name="Equation" r:id="rId4" imgW="914400" imgH="198720" progId="Equation.DSMT4">
+                <p:oleObj spid="_x0000_s466965" name="Equation" r:id="rId4" imgW="914400" imgH="198720" progId="Equation.DSMT4">
                   <p:embed/>
                 </p:oleObj>
               </mc:Choice>
@@ -15453,7 +15453,7 @@
           <a:graphicData uri="http://schemas.openxmlformats.org/presentationml/2006/ole">
             <mc:AlternateContent xmlns:mc="http://schemas.openxmlformats.org/markup-compatibility/2006">
               <mc:Choice xmlns:v="urn:schemas-microsoft-com:vml" Requires="v">
-                <p:oleObj spid="_x0000_s466961" name="Equation" r:id="rId6" imgW="2032000" imgH="457200" progId="Equation.DSMT4">
+                <p:oleObj spid="_x0000_s466966" name="Equation" r:id="rId6" imgW="2032000" imgH="457200" progId="Equation.DSMT4">
                   <p:embed/>
                 </p:oleObj>
               </mc:Choice>
@@ -16648,7 +16648,7 @@
           <a:graphicData uri="http://schemas.openxmlformats.org/presentationml/2006/ole">
             <mc:AlternateContent xmlns:mc="http://schemas.openxmlformats.org/markup-compatibility/2006">
               <mc:Choice xmlns:v="urn:schemas-microsoft-com:vml" Requires="v">
-                <p:oleObj spid="_x0000_s469001" name="Equation" r:id="rId4" imgW="914400" imgH="198720" progId="Equation.DSMT4">
+                <p:oleObj spid="_x0000_s469004" name="Equation" r:id="rId4" imgW="914400" imgH="198720" progId="Equation.DSMT4">
                   <p:embed/>
                 </p:oleObj>
               </mc:Choice>
@@ -18037,7 +18037,7 @@
           <a:graphicData uri="http://schemas.openxmlformats.org/presentationml/2006/ole">
             <mc:AlternateContent xmlns:mc="http://schemas.openxmlformats.org/markup-compatibility/2006">
               <mc:Choice xmlns:v="urn:schemas-microsoft-com:vml" Requires="v">
-                <p:oleObj spid="_x0000_s480269" name="Equation" r:id="rId4" imgW="914400" imgH="198720" progId="Equation.DSMT4">
+                <p:oleObj spid="_x0000_s480274" name="Equation" r:id="rId4" imgW="914400" imgH="198720" progId="Equation.DSMT4">
                   <p:embed/>
                 </p:oleObj>
               </mc:Choice>
@@ -18237,7 +18237,7 @@
           <a:graphicData uri="http://schemas.openxmlformats.org/presentationml/2006/ole">
             <mc:AlternateContent xmlns:mc="http://schemas.openxmlformats.org/markup-compatibility/2006">
               <mc:Choice xmlns:v="urn:schemas-microsoft-com:vml" Requires="v">
-                <p:oleObj spid="_x0000_s480270" name="Equation" r:id="rId6" imgW="1968500" imgH="457200" progId="Equation.DSMT4">
+                <p:oleObj spid="_x0000_s480275" name="Equation" r:id="rId6" imgW="1968500" imgH="457200" progId="Equation.DSMT4">
                   <p:embed/>
                 </p:oleObj>
               </mc:Choice>
@@ -18992,7 +18992,7 @@
           <a:graphicData uri="http://schemas.openxmlformats.org/presentationml/2006/ole">
             <mc:AlternateContent xmlns:mc="http://schemas.openxmlformats.org/markup-compatibility/2006">
               <mc:Choice xmlns:v="urn:schemas-microsoft-com:vml" Requires="v">
-                <p:oleObj spid="_x0000_s563213" name="Equation" r:id="rId4" imgW="596900" imgH="520700" progId="Equation.DSMT4">
+                <p:oleObj spid="_x0000_s563216" name="Equation" r:id="rId4" imgW="596900" imgH="520700" progId="Equation.DSMT4">
                   <p:embed/>
                 </p:oleObj>
               </mc:Choice>
@@ -22572,7 +22572,7 @@
               <a:rPr lang="en-US" sz="11500" dirty="0" smtClean="0">
                 <a:sym typeface="Euclid Symbol"/>
               </a:rPr>
-              <a:t>4</a:t>
+              <a:t>5</a:t>
             </a:r>
             <a:endParaRPr lang="en-US" sz="12700" dirty="0" smtClean="0"/>
           </a:p>
@@ -25833,7 +25833,7 @@
           <a:graphicData uri="http://schemas.openxmlformats.org/presentationml/2006/ole">
             <mc:AlternateContent xmlns:mc="http://schemas.openxmlformats.org/markup-compatibility/2006">
               <mc:Choice xmlns:v="urn:schemas-microsoft-com:vml" Requires="v">
-                <p:oleObj spid="_x0000_s526345" name="Equation" r:id="rId4" imgW="1815840" imgH="457200" progId="Equation.DSMT4">
+                <p:oleObj spid="_x0000_s526348" name="Equation" r:id="rId4" imgW="1815840" imgH="457200" progId="Equation.DSMT4">
                   <p:embed/>
                 </p:oleObj>
               </mc:Choice>

--- a/fall11/slidesF11/slides2f.pptx
+++ b/fall11/slidesF11/slides2f.pptx
@@ -5960,7 +5960,7 @@
           <a:graphicData uri="http://schemas.openxmlformats.org/presentationml/2006/ole">
             <mc:AlternateContent xmlns:mc="http://schemas.openxmlformats.org/markup-compatibility/2006">
               <mc:Choice xmlns:v="urn:schemas-microsoft-com:vml" Requires="v">
-                <p:oleObj spid="_x0000_s527372" name="Equation" r:id="rId4" imgW="1765080" imgH="457200" progId="Equation.DSMT4">
+                <p:oleObj spid="_x0000_s527374" name="Equation" r:id="rId4" imgW="1765080" imgH="457200" progId="Equation.DSMT4">
                   <p:embed/>
                 </p:oleObj>
               </mc:Choice>
@@ -7745,7 +7745,7 @@
           <a:graphicData uri="http://schemas.openxmlformats.org/presentationml/2006/ole">
             <mc:AlternateContent xmlns:mc="http://schemas.openxmlformats.org/markup-compatibility/2006">
               <mc:Choice xmlns:v="urn:schemas-microsoft-com:vml" Requires="v">
-                <p:oleObj spid="_x0000_s479245" name="Equation" r:id="rId4" imgW="164880" imgH="164880" progId="Equation.DSMT4">
+                <p:oleObj spid="_x0000_s479247" name="Equation" r:id="rId4" imgW="164880" imgH="164880" progId="Equation.DSMT4">
                   <p:embed/>
                 </p:oleObj>
               </mc:Choice>
@@ -10865,7 +10865,7 @@
           <a:graphicData uri="http://schemas.openxmlformats.org/presentationml/2006/ole">
             <mc:AlternateContent xmlns:mc="http://schemas.openxmlformats.org/markup-compatibility/2006">
               <mc:Choice xmlns:v="urn:schemas-microsoft-com:vml" Requires="v">
-                <p:oleObj spid="_x0000_s292898" name="Equation" r:id="rId4" imgW="2298600" imgH="228600" progId="Equation.DSMT4">
+                <p:oleObj spid="_x0000_s292903" name="Equation" r:id="rId4" imgW="2298600" imgH="228600" progId="Equation.DSMT4">
                   <p:embed/>
                 </p:oleObj>
               </mc:Choice>
@@ -11085,7 +11085,7 @@
           <a:graphicData uri="http://schemas.openxmlformats.org/presentationml/2006/ole">
             <mc:AlternateContent xmlns:mc="http://schemas.openxmlformats.org/markup-compatibility/2006">
               <mc:Choice xmlns:v="urn:schemas-microsoft-com:vml" Requires="v">
-                <p:oleObj spid="_x0000_s292899" name="Equation" r:id="rId6" imgW="914400" imgH="198720" progId="Equation.DSMT4">
+                <p:oleObj spid="_x0000_s292904" name="Equation" r:id="rId6" imgW="914400" imgH="198720" progId="Equation.DSMT4">
                   <p:embed/>
                 </p:oleObj>
               </mc:Choice>
@@ -11246,7 +11246,7 @@
           <a:graphicData uri="http://schemas.openxmlformats.org/presentationml/2006/ole">
             <mc:AlternateContent xmlns:mc="http://schemas.openxmlformats.org/markup-compatibility/2006">
               <mc:Choice xmlns:v="urn:schemas-microsoft-com:vml" Requires="v">
-                <p:oleObj spid="_x0000_s292900" name="Equation" r:id="rId8" imgW="406400" imgH="444500" progId="Equation.DSMT4">
+                <p:oleObj spid="_x0000_s292905" name="Equation" r:id="rId8" imgW="406400" imgH="444500" progId="Equation.DSMT4">
                   <p:embed/>
                 </p:oleObj>
               </mc:Choice>
@@ -11303,7 +11303,7 @@
           <a:graphicData uri="http://schemas.openxmlformats.org/presentationml/2006/ole">
             <mc:AlternateContent xmlns:mc="http://schemas.openxmlformats.org/markup-compatibility/2006">
               <mc:Choice xmlns:v="urn:schemas-microsoft-com:vml" Requires="v">
-                <p:oleObj spid="_x0000_s292901" name="Equation" r:id="rId10" imgW="279400" imgH="444500" progId="Equation.DSMT4">
+                <p:oleObj spid="_x0000_s292906" name="Equation" r:id="rId10" imgW="279400" imgH="444500" progId="Equation.DSMT4">
                   <p:embed/>
                 </p:oleObj>
               </mc:Choice>
@@ -11783,7 +11783,7 @@
           <a:graphicData uri="http://schemas.openxmlformats.org/presentationml/2006/ole">
             <mc:AlternateContent xmlns:mc="http://schemas.openxmlformats.org/markup-compatibility/2006">
               <mc:Choice xmlns:v="urn:schemas-microsoft-com:vml" Requires="v">
-                <p:oleObj spid="_x0000_s407577" name="Equation" r:id="rId4" imgW="914400" imgH="198720" progId="Equation.DSMT4">
+                <p:oleObj spid="_x0000_s407580" name="Equation" r:id="rId4" imgW="914400" imgH="198720" progId="Equation.DSMT4">
                   <p:embed/>
                 </p:oleObj>
               </mc:Choice>
@@ -11902,7 +11902,7 @@
           <a:graphicData uri="http://schemas.openxmlformats.org/presentationml/2006/ole">
             <mc:AlternateContent xmlns:mc="http://schemas.openxmlformats.org/markup-compatibility/2006">
               <mc:Choice xmlns:v="urn:schemas-microsoft-com:vml" Requires="v">
-                <p:oleObj spid="_x0000_s407578" name="Equation" r:id="rId6" imgW="2247840" imgH="228600" progId="Equation.DSMT4">
+                <p:oleObj spid="_x0000_s407581" name="Equation" r:id="rId6" imgW="2247840" imgH="228600" progId="Equation.DSMT4">
                   <p:embed/>
                 </p:oleObj>
               </mc:Choice>
@@ -12163,7 +12163,7 @@
           <a:graphicData uri="http://schemas.openxmlformats.org/presentationml/2006/ole">
             <mc:AlternateContent xmlns:mc="http://schemas.openxmlformats.org/markup-compatibility/2006">
               <mc:Choice xmlns:v="urn:schemas-microsoft-com:vml" Requires="v">
-                <p:oleObj spid="_x0000_s294930" name="Equation" r:id="rId4" imgW="2222280" imgH="203040" progId="Equation.DSMT4">
+                <p:oleObj spid="_x0000_s294933" name="Equation" r:id="rId4" imgW="2222280" imgH="203040" progId="Equation.DSMT4">
                   <p:embed/>
                 </p:oleObj>
               </mc:Choice>
@@ -12233,7 +12233,7 @@
           <a:graphicData uri="http://schemas.openxmlformats.org/presentationml/2006/ole">
             <mc:AlternateContent xmlns:mc="http://schemas.openxmlformats.org/markup-compatibility/2006">
               <mc:Choice xmlns:v="urn:schemas-microsoft-com:vml" Requires="v">
-                <p:oleObj spid="_x0000_s294931" name="Equation" r:id="rId6" imgW="914400" imgH="198720" progId="Equation.DSMT4">
+                <p:oleObj spid="_x0000_s294934" name="Equation" r:id="rId6" imgW="914400" imgH="198720" progId="Equation.DSMT4">
                   <p:embed/>
                 </p:oleObj>
               </mc:Choice>
@@ -13056,7 +13056,7 @@
           <a:graphicData uri="http://schemas.openxmlformats.org/presentationml/2006/ole">
             <mc:AlternateContent xmlns:mc="http://schemas.openxmlformats.org/markup-compatibility/2006">
               <mc:Choice xmlns:v="urn:schemas-microsoft-com:vml" Requires="v">
-                <p:oleObj spid="_x0000_s295966" name="Equation" r:id="rId4" imgW="914400" imgH="198720" progId="Equation.DSMT4">
+                <p:oleObj spid="_x0000_s295971" name="Equation" r:id="rId4" imgW="914400" imgH="198720" progId="Equation.DSMT4">
                   <p:embed/>
                 </p:oleObj>
               </mc:Choice>
@@ -13126,7 +13126,7 @@
           <a:graphicData uri="http://schemas.openxmlformats.org/presentationml/2006/ole">
             <mc:AlternateContent xmlns:mc="http://schemas.openxmlformats.org/markup-compatibility/2006">
               <mc:Choice xmlns:v="urn:schemas-microsoft-com:vml" Requires="v">
-                <p:oleObj spid="_x0000_s295967" name="Equation" r:id="rId6" imgW="2222280" imgH="203040" progId="Equation.DSMT4">
+                <p:oleObj spid="_x0000_s295972" name="Equation" r:id="rId6" imgW="2222280" imgH="203040" progId="Equation.DSMT4">
                   <p:embed/>
                 </p:oleObj>
               </mc:Choice>
@@ -13216,7 +13216,7 @@
             <a:graphicData uri="http://schemas.openxmlformats.org/presentationml/2006/ole">
               <mc:AlternateContent xmlns:mc="http://schemas.openxmlformats.org/markup-compatibility/2006">
                 <mc:Choice xmlns:v="urn:schemas-microsoft-com:vml" Requires="v">
-                  <p:oleObj spid="_x0000_s295968" name="Equation" r:id="rId8" imgW="812800" imgH="393700" progId="Equation.DSMT4">
+                  <p:oleObj spid="_x0000_s295973" name="Equation" r:id="rId8" imgW="812800" imgH="393700" progId="Equation.DSMT4">
                     <p:embed/>
                   </p:oleObj>
                 </mc:Choice>
@@ -13286,7 +13286,7 @@
             <a:graphicData uri="http://schemas.openxmlformats.org/presentationml/2006/ole">
               <mc:AlternateContent xmlns:mc="http://schemas.openxmlformats.org/markup-compatibility/2006">
                 <mc:Choice xmlns:v="urn:schemas-microsoft-com:vml" Requires="v">
-                  <p:oleObj spid="_x0000_s295969" name="Equation" r:id="rId10" imgW="812800" imgH="393700" progId="Equation.DSMT4">
+                  <p:oleObj spid="_x0000_s295974" name="Equation" r:id="rId10" imgW="812800" imgH="393700" progId="Equation.DSMT4">
                     <p:embed/>
                   </p:oleObj>
                 </mc:Choice>
@@ -13683,7 +13683,7 @@
           <a:graphicData uri="http://schemas.openxmlformats.org/presentationml/2006/ole">
             <mc:AlternateContent xmlns:mc="http://schemas.openxmlformats.org/markup-compatibility/2006">
               <mc:Choice xmlns:v="urn:schemas-microsoft-com:vml" Requires="v">
-                <p:oleObj spid="_x0000_s296973" name="Equation" r:id="rId4" imgW="2234880" imgH="203040" progId="Equation.DSMT4">
+                <p:oleObj spid="_x0000_s296975" name="Equation" r:id="rId4" imgW="2234880" imgH="203040" progId="Equation.DSMT4">
                   <p:embed/>
                 </p:oleObj>
               </mc:Choice>
@@ -14102,7 +14102,7 @@
           <a:graphicData uri="http://schemas.openxmlformats.org/presentationml/2006/ole">
             <mc:AlternateContent xmlns:mc="http://schemas.openxmlformats.org/markup-compatibility/2006">
               <mc:Choice xmlns:v="urn:schemas-microsoft-com:vml" Requires="v">
-                <p:oleObj spid="_x0000_s409612" name="Equation" r:id="rId4" imgW="2234880" imgH="203040" progId="Equation.DSMT4">
+                <p:oleObj spid="_x0000_s409614" name="Equation" r:id="rId4" imgW="2234880" imgH="203040" progId="Equation.DSMT4">
                   <p:embed/>
                 </p:oleObj>
               </mc:Choice>
@@ -14547,7 +14547,7 @@
           <a:graphicData uri="http://schemas.openxmlformats.org/presentationml/2006/ole">
             <mc:AlternateContent xmlns:mc="http://schemas.openxmlformats.org/markup-compatibility/2006">
               <mc:Choice xmlns:v="urn:schemas-microsoft-com:vml" Requires="v">
-                <p:oleObj spid="_x0000_s298004" name="Equation" r:id="rId4" imgW="914400" imgH="198720" progId="Equation.DSMT4">
+                <p:oleObj spid="_x0000_s298007" name="Equation" r:id="rId4" imgW="914400" imgH="198720" progId="Equation.DSMT4">
                   <p:embed/>
                 </p:oleObj>
               </mc:Choice>
@@ -14617,7 +14617,7 @@
           <a:graphicData uri="http://schemas.openxmlformats.org/presentationml/2006/ole">
             <mc:AlternateContent xmlns:mc="http://schemas.openxmlformats.org/markup-compatibility/2006">
               <mc:Choice xmlns:v="urn:schemas-microsoft-com:vml" Requires="v">
-                <p:oleObj spid="_x0000_s298005" name="Equation" r:id="rId6" imgW="2019300" imgH="215900" progId="Equation.DSMT4">
+                <p:oleObj spid="_x0000_s298008" name="Equation" r:id="rId6" imgW="2019300" imgH="215900" progId="Equation.DSMT4">
                   <p:embed/>
                 </p:oleObj>
               </mc:Choice>
@@ -14754,7 +14754,7 @@
           <a:graphicData uri="http://schemas.openxmlformats.org/presentationml/2006/ole">
             <mc:AlternateContent xmlns:mc="http://schemas.openxmlformats.org/markup-compatibility/2006">
               <mc:Choice xmlns:v="urn:schemas-microsoft-com:vml" Requires="v">
-                <p:oleObj spid="_x0000_s299032" name="Equation" r:id="rId4" imgW="914400" imgH="198720" progId="Equation.DSMT4">
+                <p:oleObj spid="_x0000_s299036" name="Equation" r:id="rId4" imgW="914400" imgH="198720" progId="Equation.DSMT4">
                   <p:embed/>
                 </p:oleObj>
               </mc:Choice>
@@ -14824,7 +14824,7 @@
           <a:graphicData uri="http://schemas.openxmlformats.org/presentationml/2006/ole">
             <mc:AlternateContent xmlns:mc="http://schemas.openxmlformats.org/markup-compatibility/2006">
               <mc:Choice xmlns:v="urn:schemas-microsoft-com:vml" Requires="v">
-                <p:oleObj spid="_x0000_s299033" name="Equation" r:id="rId6" imgW="914400" imgH="198720" progId="Equation.DSMT4">
+                <p:oleObj spid="_x0000_s299037" name="Equation" r:id="rId6" imgW="914400" imgH="198720" progId="Equation.DSMT4">
                   <p:embed/>
                 </p:oleObj>
               </mc:Choice>
@@ -14953,7 +14953,7 @@
           <a:graphicData uri="http://schemas.openxmlformats.org/presentationml/2006/ole">
             <mc:AlternateContent xmlns:mc="http://schemas.openxmlformats.org/markup-compatibility/2006">
               <mc:Choice xmlns:v="urn:schemas-microsoft-com:vml" Requires="v">
-                <p:oleObj spid="_x0000_s299034" name="Equation" r:id="rId8" imgW="2032000" imgH="457200" progId="Equation.DSMT4">
+                <p:oleObj spid="_x0000_s299038" name="Equation" r:id="rId8" imgW="2032000" imgH="457200" progId="Equation.DSMT4">
                   <p:embed/>
                 </p:oleObj>
               </mc:Choice>
@@ -15134,7 +15134,7 @@
           <a:graphicData uri="http://schemas.openxmlformats.org/presentationml/2006/ole">
             <mc:AlternateContent xmlns:mc="http://schemas.openxmlformats.org/markup-compatibility/2006">
               <mc:Choice xmlns:v="urn:schemas-microsoft-com:vml" Requires="v">
-                <p:oleObj spid="_x0000_s466965" name="Equation" r:id="rId4" imgW="914400" imgH="198720" progId="Equation.DSMT4">
+                <p:oleObj spid="_x0000_s466968" name="Equation" r:id="rId4" imgW="914400" imgH="198720" progId="Equation.DSMT4">
                   <p:embed/>
                 </p:oleObj>
               </mc:Choice>
@@ -15453,7 +15453,7 @@
           <a:graphicData uri="http://schemas.openxmlformats.org/presentationml/2006/ole">
             <mc:AlternateContent xmlns:mc="http://schemas.openxmlformats.org/markup-compatibility/2006">
               <mc:Choice xmlns:v="urn:schemas-microsoft-com:vml" Requires="v">
-                <p:oleObj spid="_x0000_s466966" name="Equation" r:id="rId6" imgW="2032000" imgH="457200" progId="Equation.DSMT4">
+                <p:oleObj spid="_x0000_s466969" name="Equation" r:id="rId6" imgW="2032000" imgH="457200" progId="Equation.DSMT4">
                   <p:embed/>
                 </p:oleObj>
               </mc:Choice>
@@ -16648,7 +16648,7 @@
           <a:graphicData uri="http://schemas.openxmlformats.org/presentationml/2006/ole">
             <mc:AlternateContent xmlns:mc="http://schemas.openxmlformats.org/markup-compatibility/2006">
               <mc:Choice xmlns:v="urn:schemas-microsoft-com:vml" Requires="v">
-                <p:oleObj spid="_x0000_s469004" name="Equation" r:id="rId4" imgW="914400" imgH="198720" progId="Equation.DSMT4">
+                <p:oleObj spid="_x0000_s469006" name="Equation" r:id="rId4" imgW="914400" imgH="198720" progId="Equation.DSMT4">
                   <p:embed/>
                 </p:oleObj>
               </mc:Choice>
@@ -18037,7 +18037,7 @@
           <a:graphicData uri="http://schemas.openxmlformats.org/presentationml/2006/ole">
             <mc:AlternateContent xmlns:mc="http://schemas.openxmlformats.org/markup-compatibility/2006">
               <mc:Choice xmlns:v="urn:schemas-microsoft-com:vml" Requires="v">
-                <p:oleObj spid="_x0000_s480274" name="Equation" r:id="rId4" imgW="914400" imgH="198720" progId="Equation.DSMT4">
+                <p:oleObj spid="_x0000_s480277" name="Equation" r:id="rId4" imgW="914400" imgH="198720" progId="Equation.DSMT4">
                   <p:embed/>
                 </p:oleObj>
               </mc:Choice>
@@ -18237,7 +18237,7 @@
           <a:graphicData uri="http://schemas.openxmlformats.org/presentationml/2006/ole">
             <mc:AlternateContent xmlns:mc="http://schemas.openxmlformats.org/markup-compatibility/2006">
               <mc:Choice xmlns:v="urn:schemas-microsoft-com:vml" Requires="v">
-                <p:oleObj spid="_x0000_s480275" name="Equation" r:id="rId6" imgW="1968500" imgH="457200" progId="Equation.DSMT4">
+                <p:oleObj spid="_x0000_s480278" name="Equation" r:id="rId6" imgW="1968500" imgH="457200" progId="Equation.DSMT4">
                   <p:embed/>
                 </p:oleObj>
               </mc:Choice>
@@ -18992,7 +18992,7 @@
           <a:graphicData uri="http://schemas.openxmlformats.org/presentationml/2006/ole">
             <mc:AlternateContent xmlns:mc="http://schemas.openxmlformats.org/markup-compatibility/2006">
               <mc:Choice xmlns:v="urn:schemas-microsoft-com:vml" Requires="v">
-                <p:oleObj spid="_x0000_s563216" name="Equation" r:id="rId4" imgW="596900" imgH="520700" progId="Equation.DSMT4">
+                <p:oleObj spid="_x0000_s563218" name="Equation" r:id="rId4" imgW="596900" imgH="520700" progId="Equation.DSMT4">
                   <p:embed/>
                 </p:oleObj>
               </mc:Choice>
@@ -24312,7 +24312,7 @@
 </file>
 
 <file path=ppt/slides/slide7.xml><?xml version="1.0" encoding="utf-8"?>
-<p:sld xmlns:a="http://schemas.openxmlformats.org/drawingml/2006/main" xmlns:r="http://schemas.openxmlformats.org/officeDocument/2006/relationships" xmlns:p="http://schemas.openxmlformats.org/presentationml/2006/main">
+<p:sld xmlns:a="http://schemas.openxmlformats.org/drawingml/2006/main" xmlns:r="http://schemas.openxmlformats.org/officeDocument/2006/relationships" xmlns:p="http://schemas.openxmlformats.org/presentationml/2006/main" show="0">
   <p:cSld>
     <p:spTree>
       <p:nvGrpSpPr>
@@ -24706,6 +24706,14 @@
   <p:clrMapOvr>
     <a:masterClrMapping/>
   </p:clrMapOvr>
+  <mc:AlternateContent xmlns:mc="http://schemas.openxmlformats.org/markup-compatibility/2006">
+    <mc:Choice xmlns:p14="http://schemas.microsoft.com/office/powerpoint/2010/main" Requires="p14">
+      <p:transition spd="slow" p14:dur="2000"/>
+    </mc:Choice>
+    <mc:Fallback>
+      <p:transition xmlns:p14="http://schemas.microsoft.com/office/powerpoint/2010/main" spd="slow"/>
+    </mc:Fallback>
+  </mc:AlternateContent>
   <p:timing>
     <p:tnLst>
       <p:par>
@@ -24979,7 +24987,7 @@
 </file>
 
 <file path=ppt/slides/slide8.xml><?xml version="1.0" encoding="utf-8"?>
-<p:sld xmlns:a="http://schemas.openxmlformats.org/drawingml/2006/main" xmlns:r="http://schemas.openxmlformats.org/officeDocument/2006/relationships" xmlns:p="http://schemas.openxmlformats.org/presentationml/2006/main">
+<p:sld xmlns:a="http://schemas.openxmlformats.org/drawingml/2006/main" xmlns:r="http://schemas.openxmlformats.org/officeDocument/2006/relationships" xmlns:p="http://schemas.openxmlformats.org/presentationml/2006/main" show="0">
   <p:cSld>
     <p:spTree>
       <p:nvGrpSpPr>
@@ -25358,6 +25366,14 @@
   <p:clrMapOvr>
     <a:masterClrMapping/>
   </p:clrMapOvr>
+  <mc:AlternateContent xmlns:mc="http://schemas.openxmlformats.org/markup-compatibility/2006">
+    <mc:Choice xmlns:p14="http://schemas.microsoft.com/office/powerpoint/2010/main" Requires="p14">
+      <p:transition spd="slow" p14:dur="2000"/>
+    </mc:Choice>
+    <mc:Fallback>
+      <p:transition xmlns:p14="http://schemas.microsoft.com/office/powerpoint/2010/main" spd="slow"/>
+    </mc:Fallback>
+  </mc:AlternateContent>
   <p:timing>
     <p:tnLst>
       <p:par>
@@ -25833,7 +25849,7 @@
           <a:graphicData uri="http://schemas.openxmlformats.org/presentationml/2006/ole">
             <mc:AlternateContent xmlns:mc="http://schemas.openxmlformats.org/markup-compatibility/2006">
               <mc:Choice xmlns:v="urn:schemas-microsoft-com:vml" Requires="v">
-                <p:oleObj spid="_x0000_s526348" name="Equation" r:id="rId4" imgW="1815840" imgH="457200" progId="Equation.DSMT4">
+                <p:oleObj spid="_x0000_s526350" name="Equation" r:id="rId4" imgW="1815840" imgH="457200" progId="Equation.DSMT4">
                   <p:embed/>
                 </p:oleObj>
               </mc:Choice>

--- a/fall11/slidesF11/slides2f.pptx
+++ b/fall11/slidesF11/slides2f.pptx
@@ -5960,7 +5960,7 @@
           <a:graphicData uri="http://schemas.openxmlformats.org/presentationml/2006/ole">
             <mc:AlternateContent xmlns:mc="http://schemas.openxmlformats.org/markup-compatibility/2006">
               <mc:Choice xmlns:v="urn:schemas-microsoft-com:vml" Requires="v">
-                <p:oleObj spid="_x0000_s527374" name="Equation" r:id="rId4" imgW="1765080" imgH="457200" progId="Equation.DSMT4">
+                <p:oleObj spid="_x0000_s527377" name="Equation" r:id="rId4" imgW="1765080" imgH="457200" progId="Equation.DSMT4">
                   <p:embed/>
                 </p:oleObj>
               </mc:Choice>
@@ -7745,7 +7745,7 @@
           <a:graphicData uri="http://schemas.openxmlformats.org/presentationml/2006/ole">
             <mc:AlternateContent xmlns:mc="http://schemas.openxmlformats.org/markup-compatibility/2006">
               <mc:Choice xmlns:v="urn:schemas-microsoft-com:vml" Requires="v">
-                <p:oleObj spid="_x0000_s479247" name="Equation" r:id="rId4" imgW="164880" imgH="164880" progId="Equation.DSMT4">
+                <p:oleObj spid="_x0000_s479250" name="Equation" r:id="rId4" imgW="164880" imgH="164880" progId="Equation.DSMT4">
                   <p:embed/>
                 </p:oleObj>
               </mc:Choice>
@@ -10865,7 +10865,7 @@
           <a:graphicData uri="http://schemas.openxmlformats.org/presentationml/2006/ole">
             <mc:AlternateContent xmlns:mc="http://schemas.openxmlformats.org/markup-compatibility/2006">
               <mc:Choice xmlns:v="urn:schemas-microsoft-com:vml" Requires="v">
-                <p:oleObj spid="_x0000_s292903" name="Equation" r:id="rId4" imgW="2298600" imgH="228600" progId="Equation.DSMT4">
+                <p:oleObj spid="_x0000_s292912" name="Equation" r:id="rId4" imgW="2298600" imgH="228600" progId="Equation.DSMT4">
                   <p:embed/>
                 </p:oleObj>
               </mc:Choice>
@@ -11085,7 +11085,7 @@
           <a:graphicData uri="http://schemas.openxmlformats.org/presentationml/2006/ole">
             <mc:AlternateContent xmlns:mc="http://schemas.openxmlformats.org/markup-compatibility/2006">
               <mc:Choice xmlns:v="urn:schemas-microsoft-com:vml" Requires="v">
-                <p:oleObj spid="_x0000_s292904" name="Equation" r:id="rId6" imgW="914400" imgH="198720" progId="Equation.DSMT4">
+                <p:oleObj spid="_x0000_s292913" name="Equation" r:id="rId6" imgW="914400" imgH="198720" progId="Equation.DSMT4">
                   <p:embed/>
                 </p:oleObj>
               </mc:Choice>
@@ -11246,7 +11246,7 @@
           <a:graphicData uri="http://schemas.openxmlformats.org/presentationml/2006/ole">
             <mc:AlternateContent xmlns:mc="http://schemas.openxmlformats.org/markup-compatibility/2006">
               <mc:Choice xmlns:v="urn:schemas-microsoft-com:vml" Requires="v">
-                <p:oleObj spid="_x0000_s292905" name="Equation" r:id="rId8" imgW="406400" imgH="444500" progId="Equation.DSMT4">
+                <p:oleObj spid="_x0000_s292914" name="Equation" r:id="rId8" imgW="406400" imgH="444500" progId="Equation.DSMT4">
                   <p:embed/>
                 </p:oleObj>
               </mc:Choice>
@@ -11303,7 +11303,7 @@
           <a:graphicData uri="http://schemas.openxmlformats.org/presentationml/2006/ole">
             <mc:AlternateContent xmlns:mc="http://schemas.openxmlformats.org/markup-compatibility/2006">
               <mc:Choice xmlns:v="urn:schemas-microsoft-com:vml" Requires="v">
-                <p:oleObj spid="_x0000_s292906" name="Equation" r:id="rId10" imgW="279400" imgH="444500" progId="Equation.DSMT4">
+                <p:oleObj spid="_x0000_s292915" name="Equation" r:id="rId10" imgW="279400" imgH="444500" progId="Equation.DSMT4">
                   <p:embed/>
                 </p:oleObj>
               </mc:Choice>
@@ -11343,7 +11343,7 @@
   <p:clrMapOvr>
     <a:masterClrMapping/>
   </p:clrMapOvr>
-  <p:transition xmlns:p14="http://schemas.microsoft.com/office/powerpoint/2010/main">
+  <p:transition xmlns:p14="http://schemas.microsoft.com/office/powerpoint/2010/main" spd="slow">
     <p:fade thruBlk="1"/>
   </p:transition>
   <p:timing>
@@ -11783,7 +11783,7 @@
           <a:graphicData uri="http://schemas.openxmlformats.org/presentationml/2006/ole">
             <mc:AlternateContent xmlns:mc="http://schemas.openxmlformats.org/markup-compatibility/2006">
               <mc:Choice xmlns:v="urn:schemas-microsoft-com:vml" Requires="v">
-                <p:oleObj spid="_x0000_s407580" name="Equation" r:id="rId4" imgW="914400" imgH="198720" progId="Equation.DSMT4">
+                <p:oleObj spid="_x0000_s407585" name="Equation" r:id="rId4" imgW="914400" imgH="198720" progId="Equation.DSMT4">
                   <p:embed/>
                 </p:oleObj>
               </mc:Choice>
@@ -11902,7 +11902,7 @@
           <a:graphicData uri="http://schemas.openxmlformats.org/presentationml/2006/ole">
             <mc:AlternateContent xmlns:mc="http://schemas.openxmlformats.org/markup-compatibility/2006">
               <mc:Choice xmlns:v="urn:schemas-microsoft-com:vml" Requires="v">
-                <p:oleObj spid="_x0000_s407581" name="Equation" r:id="rId6" imgW="2247840" imgH="228600" progId="Equation.DSMT4">
+                <p:oleObj spid="_x0000_s407586" name="Equation" r:id="rId6" imgW="2247840" imgH="228600" progId="Equation.DSMT4">
                   <p:embed/>
                 </p:oleObj>
               </mc:Choice>
@@ -12163,7 +12163,7 @@
           <a:graphicData uri="http://schemas.openxmlformats.org/presentationml/2006/ole">
             <mc:AlternateContent xmlns:mc="http://schemas.openxmlformats.org/markup-compatibility/2006">
               <mc:Choice xmlns:v="urn:schemas-microsoft-com:vml" Requires="v">
-                <p:oleObj spid="_x0000_s294933" name="Equation" r:id="rId4" imgW="2222280" imgH="203040" progId="Equation.DSMT4">
+                <p:oleObj spid="_x0000_s294938" name="Equation" r:id="rId4" imgW="2222280" imgH="203040" progId="Equation.DSMT4">
                   <p:embed/>
                 </p:oleObj>
               </mc:Choice>
@@ -12233,7 +12233,7 @@
           <a:graphicData uri="http://schemas.openxmlformats.org/presentationml/2006/ole">
             <mc:AlternateContent xmlns:mc="http://schemas.openxmlformats.org/markup-compatibility/2006">
               <mc:Choice xmlns:v="urn:schemas-microsoft-com:vml" Requires="v">
-                <p:oleObj spid="_x0000_s294934" name="Equation" r:id="rId6" imgW="914400" imgH="198720" progId="Equation.DSMT4">
+                <p:oleObj spid="_x0000_s294939" name="Equation" r:id="rId6" imgW="914400" imgH="198720" progId="Equation.DSMT4">
                   <p:embed/>
                 </p:oleObj>
               </mc:Choice>
@@ -13056,7 +13056,7 @@
           <a:graphicData uri="http://schemas.openxmlformats.org/presentationml/2006/ole">
             <mc:AlternateContent xmlns:mc="http://schemas.openxmlformats.org/markup-compatibility/2006">
               <mc:Choice xmlns:v="urn:schemas-microsoft-com:vml" Requires="v">
-                <p:oleObj spid="_x0000_s295971" name="Equation" r:id="rId4" imgW="914400" imgH="198720" progId="Equation.DSMT4">
+                <p:oleObj spid="_x0000_s295980" name="Equation" r:id="rId4" imgW="914400" imgH="198720" progId="Equation.DSMT4">
                   <p:embed/>
                 </p:oleObj>
               </mc:Choice>
@@ -13126,7 +13126,7 @@
           <a:graphicData uri="http://schemas.openxmlformats.org/presentationml/2006/ole">
             <mc:AlternateContent xmlns:mc="http://schemas.openxmlformats.org/markup-compatibility/2006">
               <mc:Choice xmlns:v="urn:schemas-microsoft-com:vml" Requires="v">
-                <p:oleObj spid="_x0000_s295972" name="Equation" r:id="rId6" imgW="2222280" imgH="203040" progId="Equation.DSMT4">
+                <p:oleObj spid="_x0000_s295981" name="Equation" r:id="rId6" imgW="2222280" imgH="203040" progId="Equation.DSMT4">
                   <p:embed/>
                 </p:oleObj>
               </mc:Choice>
@@ -13216,7 +13216,7 @@
             <a:graphicData uri="http://schemas.openxmlformats.org/presentationml/2006/ole">
               <mc:AlternateContent xmlns:mc="http://schemas.openxmlformats.org/markup-compatibility/2006">
                 <mc:Choice xmlns:v="urn:schemas-microsoft-com:vml" Requires="v">
-                  <p:oleObj spid="_x0000_s295973" name="Equation" r:id="rId8" imgW="812800" imgH="393700" progId="Equation.DSMT4">
+                  <p:oleObj spid="_x0000_s295982" name="Equation" r:id="rId8" imgW="812800" imgH="393700" progId="Equation.DSMT4">
                     <p:embed/>
                   </p:oleObj>
                 </mc:Choice>
@@ -13286,7 +13286,7 @@
             <a:graphicData uri="http://schemas.openxmlformats.org/presentationml/2006/ole">
               <mc:AlternateContent xmlns:mc="http://schemas.openxmlformats.org/markup-compatibility/2006">
                 <mc:Choice xmlns:v="urn:schemas-microsoft-com:vml" Requires="v">
-                  <p:oleObj spid="_x0000_s295974" name="Equation" r:id="rId10" imgW="812800" imgH="393700" progId="Equation.DSMT4">
+                  <p:oleObj spid="_x0000_s295983" name="Equation" r:id="rId10" imgW="812800" imgH="393700" progId="Equation.DSMT4">
                     <p:embed/>
                   </p:oleObj>
                 </mc:Choice>
@@ -13683,7 +13683,7 @@
           <a:graphicData uri="http://schemas.openxmlformats.org/presentationml/2006/ole">
             <mc:AlternateContent xmlns:mc="http://schemas.openxmlformats.org/markup-compatibility/2006">
               <mc:Choice xmlns:v="urn:schemas-microsoft-com:vml" Requires="v">
-                <p:oleObj spid="_x0000_s296975" name="Equation" r:id="rId4" imgW="2234880" imgH="203040" progId="Equation.DSMT4">
+                <p:oleObj spid="_x0000_s296978" name="Equation" r:id="rId4" imgW="2234880" imgH="203040" progId="Equation.DSMT4">
                   <p:embed/>
                 </p:oleObj>
               </mc:Choice>
@@ -14102,7 +14102,7 @@
           <a:graphicData uri="http://schemas.openxmlformats.org/presentationml/2006/ole">
             <mc:AlternateContent xmlns:mc="http://schemas.openxmlformats.org/markup-compatibility/2006">
               <mc:Choice xmlns:v="urn:schemas-microsoft-com:vml" Requires="v">
-                <p:oleObj spid="_x0000_s409614" name="Equation" r:id="rId4" imgW="2234880" imgH="203040" progId="Equation.DSMT4">
+                <p:oleObj spid="_x0000_s409617" name="Equation" r:id="rId4" imgW="2234880" imgH="203040" progId="Equation.DSMT4">
                   <p:embed/>
                 </p:oleObj>
               </mc:Choice>
@@ -14547,7 +14547,7 @@
           <a:graphicData uri="http://schemas.openxmlformats.org/presentationml/2006/ole">
             <mc:AlternateContent xmlns:mc="http://schemas.openxmlformats.org/markup-compatibility/2006">
               <mc:Choice xmlns:v="urn:schemas-microsoft-com:vml" Requires="v">
-                <p:oleObj spid="_x0000_s298007" name="Equation" r:id="rId4" imgW="914400" imgH="198720" progId="Equation.DSMT4">
+                <p:oleObj spid="_x0000_s298012" name="Equation" r:id="rId4" imgW="914400" imgH="198720" progId="Equation.DSMT4">
                   <p:embed/>
                 </p:oleObj>
               </mc:Choice>
@@ -14617,7 +14617,7 @@
           <a:graphicData uri="http://schemas.openxmlformats.org/presentationml/2006/ole">
             <mc:AlternateContent xmlns:mc="http://schemas.openxmlformats.org/markup-compatibility/2006">
               <mc:Choice xmlns:v="urn:schemas-microsoft-com:vml" Requires="v">
-                <p:oleObj spid="_x0000_s298008" name="Equation" r:id="rId6" imgW="2019300" imgH="215900" progId="Equation.DSMT4">
+                <p:oleObj spid="_x0000_s298013" name="Equation" r:id="rId6" imgW="2019300" imgH="215900" progId="Equation.DSMT4">
                   <p:embed/>
                 </p:oleObj>
               </mc:Choice>
@@ -14754,7 +14754,7 @@
           <a:graphicData uri="http://schemas.openxmlformats.org/presentationml/2006/ole">
             <mc:AlternateContent xmlns:mc="http://schemas.openxmlformats.org/markup-compatibility/2006">
               <mc:Choice xmlns:v="urn:schemas-microsoft-com:vml" Requires="v">
-                <p:oleObj spid="_x0000_s299036" name="Equation" r:id="rId4" imgW="914400" imgH="198720" progId="Equation.DSMT4">
+                <p:oleObj spid="_x0000_s299043" name="Equation" r:id="rId4" imgW="914400" imgH="198720" progId="Equation.DSMT4">
                   <p:embed/>
                 </p:oleObj>
               </mc:Choice>
@@ -14824,7 +14824,7 @@
           <a:graphicData uri="http://schemas.openxmlformats.org/presentationml/2006/ole">
             <mc:AlternateContent xmlns:mc="http://schemas.openxmlformats.org/markup-compatibility/2006">
               <mc:Choice xmlns:v="urn:schemas-microsoft-com:vml" Requires="v">
-                <p:oleObj spid="_x0000_s299037" name="Equation" r:id="rId6" imgW="914400" imgH="198720" progId="Equation.DSMT4">
+                <p:oleObj spid="_x0000_s299044" name="Equation" r:id="rId6" imgW="914400" imgH="198720" progId="Equation.DSMT4">
                   <p:embed/>
                 </p:oleObj>
               </mc:Choice>
@@ -14953,7 +14953,7 @@
           <a:graphicData uri="http://schemas.openxmlformats.org/presentationml/2006/ole">
             <mc:AlternateContent xmlns:mc="http://schemas.openxmlformats.org/markup-compatibility/2006">
               <mc:Choice xmlns:v="urn:schemas-microsoft-com:vml" Requires="v">
-                <p:oleObj spid="_x0000_s299038" name="Equation" r:id="rId8" imgW="2032000" imgH="457200" progId="Equation.DSMT4">
+                <p:oleObj spid="_x0000_s299045" name="Equation" r:id="rId8" imgW="2032000" imgH="457200" progId="Equation.DSMT4">
                   <p:embed/>
                 </p:oleObj>
               </mc:Choice>
@@ -15012,7 +15012,7 @@
   <p:clrMapOvr>
     <a:masterClrMapping/>
   </p:clrMapOvr>
-  <p:transition xmlns:p14="http://schemas.microsoft.com/office/powerpoint/2010/main">
+  <p:transition xmlns:p14="http://schemas.microsoft.com/office/powerpoint/2010/main" spd="slow">
     <p:fade thruBlk="1"/>
   </p:transition>
   <p:timing>
@@ -15134,7 +15134,7 @@
           <a:graphicData uri="http://schemas.openxmlformats.org/presentationml/2006/ole">
             <mc:AlternateContent xmlns:mc="http://schemas.openxmlformats.org/markup-compatibility/2006">
               <mc:Choice xmlns:v="urn:schemas-microsoft-com:vml" Requires="v">
-                <p:oleObj spid="_x0000_s466968" name="Equation" r:id="rId4" imgW="914400" imgH="198720" progId="Equation.DSMT4">
+                <p:oleObj spid="_x0000_s466973" name="Equation" r:id="rId4" imgW="914400" imgH="198720" progId="Equation.DSMT4">
                   <p:embed/>
                 </p:oleObj>
               </mc:Choice>
@@ -15453,7 +15453,7 @@
           <a:graphicData uri="http://schemas.openxmlformats.org/presentationml/2006/ole">
             <mc:AlternateContent xmlns:mc="http://schemas.openxmlformats.org/markup-compatibility/2006">
               <mc:Choice xmlns:v="urn:schemas-microsoft-com:vml" Requires="v">
-                <p:oleObj spid="_x0000_s466969" name="Equation" r:id="rId6" imgW="2032000" imgH="457200" progId="Equation.DSMT4">
+                <p:oleObj spid="_x0000_s466974" name="Equation" r:id="rId6" imgW="2032000" imgH="457200" progId="Equation.DSMT4">
                   <p:embed/>
                 </p:oleObj>
               </mc:Choice>
@@ -16648,7 +16648,7 @@
           <a:graphicData uri="http://schemas.openxmlformats.org/presentationml/2006/ole">
             <mc:AlternateContent xmlns:mc="http://schemas.openxmlformats.org/markup-compatibility/2006">
               <mc:Choice xmlns:v="urn:schemas-microsoft-com:vml" Requires="v">
-                <p:oleObj spid="_x0000_s469006" name="Equation" r:id="rId4" imgW="914400" imgH="198720" progId="Equation.DSMT4">
+                <p:oleObj spid="_x0000_s469009" name="Equation" r:id="rId4" imgW="914400" imgH="198720" progId="Equation.DSMT4">
                   <p:embed/>
                 </p:oleObj>
               </mc:Choice>
@@ -18037,7 +18037,7 @@
           <a:graphicData uri="http://schemas.openxmlformats.org/presentationml/2006/ole">
             <mc:AlternateContent xmlns:mc="http://schemas.openxmlformats.org/markup-compatibility/2006">
               <mc:Choice xmlns:v="urn:schemas-microsoft-com:vml" Requires="v">
-                <p:oleObj spid="_x0000_s480277" name="Equation" r:id="rId4" imgW="914400" imgH="198720" progId="Equation.DSMT4">
+                <p:oleObj spid="_x0000_s480282" name="Equation" r:id="rId4" imgW="914400" imgH="198720" progId="Equation.DSMT4">
                   <p:embed/>
                 </p:oleObj>
               </mc:Choice>
@@ -18237,7 +18237,7 @@
           <a:graphicData uri="http://schemas.openxmlformats.org/presentationml/2006/ole">
             <mc:AlternateContent xmlns:mc="http://schemas.openxmlformats.org/markup-compatibility/2006">
               <mc:Choice xmlns:v="urn:schemas-microsoft-com:vml" Requires="v">
-                <p:oleObj spid="_x0000_s480278" name="Equation" r:id="rId6" imgW="1968500" imgH="457200" progId="Equation.DSMT4">
+                <p:oleObj spid="_x0000_s480283" name="Equation" r:id="rId6" imgW="1968500" imgH="457200" progId="Equation.DSMT4">
                   <p:embed/>
                 </p:oleObj>
               </mc:Choice>
@@ -18992,7 +18992,7 @@
           <a:graphicData uri="http://schemas.openxmlformats.org/presentationml/2006/ole">
             <mc:AlternateContent xmlns:mc="http://schemas.openxmlformats.org/markup-compatibility/2006">
               <mc:Choice xmlns:v="urn:schemas-microsoft-com:vml" Requires="v">
-                <p:oleObj spid="_x0000_s563218" name="Equation" r:id="rId4" imgW="596900" imgH="520700" progId="Equation.DSMT4">
+                <p:oleObj spid="_x0000_s563221" name="Equation" r:id="rId4" imgW="596900" imgH="520700" progId="Equation.DSMT4">
                   <p:embed/>
                 </p:oleObj>
               </mc:Choice>
@@ -24706,11 +24706,11 @@
   <p:clrMapOvr>
     <a:masterClrMapping/>
   </p:clrMapOvr>
-  <mc:AlternateContent xmlns:mc="http://schemas.openxmlformats.org/markup-compatibility/2006">
-    <mc:Choice xmlns:p14="http://schemas.microsoft.com/office/powerpoint/2010/main" Requires="p14">
+  <mc:AlternateContent xmlns:mc="http://schemas.openxmlformats.org/markup-compatibility/2006" xmlns:p14="http://schemas.microsoft.com/office/powerpoint/2010/main">
+    <mc:Choice Requires="p14">
       <p:transition spd="slow" p14:dur="2000"/>
     </mc:Choice>
-    <mc:Fallback>
+    <mc:Fallback xmlns="">
       <p:transition xmlns:p14="http://schemas.microsoft.com/office/powerpoint/2010/main" spd="slow"/>
     </mc:Fallback>
   </mc:AlternateContent>
@@ -25366,11 +25366,11 @@
   <p:clrMapOvr>
     <a:masterClrMapping/>
   </p:clrMapOvr>
-  <mc:AlternateContent xmlns:mc="http://schemas.openxmlformats.org/markup-compatibility/2006">
-    <mc:Choice xmlns:p14="http://schemas.microsoft.com/office/powerpoint/2010/main" Requires="p14">
+  <mc:AlternateContent xmlns:mc="http://schemas.openxmlformats.org/markup-compatibility/2006" xmlns:p14="http://schemas.microsoft.com/office/powerpoint/2010/main">
+    <mc:Choice Requires="p14">
       <p:transition spd="slow" p14:dur="2000"/>
     </mc:Choice>
-    <mc:Fallback>
+    <mc:Fallback xmlns="">
       <p:transition xmlns:p14="http://schemas.microsoft.com/office/powerpoint/2010/main" spd="slow"/>
     </mc:Fallback>
   </mc:AlternateContent>
@@ -25849,7 +25849,7 @@
           <a:graphicData uri="http://schemas.openxmlformats.org/presentationml/2006/ole">
             <mc:AlternateContent xmlns:mc="http://schemas.openxmlformats.org/markup-compatibility/2006">
               <mc:Choice xmlns:v="urn:schemas-microsoft-com:vml" Requires="v">
-                <p:oleObj spid="_x0000_s526350" name="Equation" r:id="rId4" imgW="1815840" imgH="457200" progId="Equation.DSMT4">
+                <p:oleObj spid="_x0000_s526353" name="Equation" r:id="rId4" imgW="1815840" imgH="457200" progId="Equation.DSMT4">
                   <p:embed/>
                 </p:oleObj>
               </mc:Choice>
